--- a/Formaggio pizzéria bemutató.pptx
+++ b/Formaggio pizzéria bemutató.pptx
@@ -262,8 +262,11 @@
     </a:lvl9pPr>
   </p:defaultTextStyle>
   <p:extLst>
+    <p:ext uri="{EFAFB233-063F-42B5-8137-9DF3F51BA10A}">
+      <p15:sldGuideLst xmlns:p15="http://schemas.microsoft.com/office/powerpoint/2012/main"/>
+    </p:ext>
     <p:ext uri="http://customooxmlschemas.google.com/">
-      <go:slidesCustomData xmlns:go="http://customooxmlschemas.google.com/" xmlns:ahyp="http://schemas.microsoft.com/office/drawing/2018/hyperlinkcolor" xmlns:p15="http://schemas.microsoft.com/office/powerpoint/2012/main" xmlns:p14="http://schemas.microsoft.com/office/powerpoint/2010/main" xmlns:com="http://schemas.openxmlformats.org/drawingml/2006/compatibility" xmlns:pvml="urn:schemas-microsoft-com:office:powerpoint" xmlns:v="urn:schemas-microsoft-com:vml" xmlns:o="urn:schemas-microsoft-com:office:office" xmlns:dgm="http://schemas.openxmlformats.org/drawingml/2006/diagram" xmlns:c="http://schemas.openxmlformats.org/drawingml/2006/chart" xmlns:mv="urn:schemas-microsoft-com:mac:vml" xmlns:mc="http://schemas.openxmlformats.org/markup-compatibility/2006" xmlns="" r:id="rId16" roundtripDataSignature="AMtx7mjI6vQd43HgE0vsBP3FERfg0PNxCQ=="/>
+      <go:slidesCustomData xmlns="" xmlns:mc="http://schemas.openxmlformats.org/markup-compatibility/2006" xmlns:mv="urn:schemas-microsoft-com:mac:vml" xmlns:c="http://schemas.openxmlformats.org/drawingml/2006/chart" xmlns:dgm="http://schemas.openxmlformats.org/drawingml/2006/diagram" xmlns:o="urn:schemas-microsoft-com:office:office" xmlns:v="urn:schemas-microsoft-com:vml" xmlns:pvml="urn:schemas-microsoft-com:office:powerpoint" xmlns:com="http://schemas.openxmlformats.org/drawingml/2006/compatibility" xmlns:p14="http://schemas.microsoft.com/office/powerpoint/2010/main" xmlns:p15="http://schemas.microsoft.com/office/powerpoint/2012/main" xmlns:ahyp="http://schemas.microsoft.com/office/drawing/2018/hyperlinkcolor" xmlns:go="http://customooxmlschemas.google.com/" r:id="rId16" roundtripDataSignature="AMtx7mjI6vQd43HgE0vsBP3FERfg0PNxCQ=="/>
     </p:ext>
   </p:extLst>
 </p:presentation>
@@ -11969,18 +11972,6 @@
               <a:buNone/>
             </a:pPr>
             <a:r>
-              <a:rPr lang="hu-HU" sz="2400" b="0" i="0" u="none" strike="noStrike" cap="none" dirty="0" err="1">
-                <a:solidFill>
-                  <a:schemeClr val="lt1"/>
-                </a:solidFill>
-                <a:latin typeface="Gill Sans"/>
-                <a:ea typeface="Gill Sans"/>
-                <a:cs typeface="Gill Sans"/>
-                <a:sym typeface="Gill Sans"/>
-              </a:rPr>
-              <a:t>Tófalvi</a:t>
-            </a:r>
-            <a:r>
               <a:rPr lang="hu-HU" sz="2400" b="0" i="0" u="none" strike="noStrike" cap="none" dirty="0">
                 <a:solidFill>
                   <a:schemeClr val="lt1"/>
@@ -11990,7 +11981,7 @@
                 <a:cs typeface="Gill Sans"/>
                 <a:sym typeface="Gill Sans"/>
               </a:rPr>
-              <a:t> Zalán</a:t>
+              <a:t>Tófalvi Zalán</a:t>
             </a:r>
             <a:endParaRPr sz="2400" dirty="0">
               <a:solidFill>
@@ -12039,7 +12030,7 @@
               <a:buNone/>
             </a:pPr>
             <a:r>
-              <a:rPr lang="hu-HU" sz="2400">
+              <a:rPr lang="hu-HU" sz="2400" dirty="0">
                 <a:solidFill>
                   <a:schemeClr val="lt1"/>
                 </a:solidFill>
@@ -12050,7 +12041,7 @@
               </a:rPr>
               <a:t>Süke Benedek</a:t>
             </a:r>
-            <a:endParaRPr sz="2400">
+            <a:endParaRPr sz="2400" dirty="0">
               <a:solidFill>
                 <a:schemeClr val="lt1"/>
               </a:solidFill>
@@ -12067,6 +12058,175 @@
   <p:clrMapOvr>
     <a:masterClrMapping/>
   </p:clrMapOvr>
+  <p:transition spd="slow">
+    <p:push dir="u"/>
+  </p:transition>
+  <p:timing>
+    <p:tnLst>
+      <p:par>
+        <p:cTn id="1" dur="indefinite" restart="never" nodeType="tmRoot">
+          <p:childTnLst>
+            <p:seq concurrent="1" nextAc="seek">
+              <p:cTn id="2" dur="indefinite" nodeType="mainSeq">
+                <p:childTnLst>
+                  <p:par>
+                    <p:cTn id="3" fill="hold">
+                      <p:stCondLst>
+                        <p:cond delay="indefinite"/>
+                      </p:stCondLst>
+                      <p:childTnLst>
+                        <p:par>
+                          <p:cTn id="4" fill="hold">
+                            <p:stCondLst>
+                              <p:cond delay="0"/>
+                            </p:stCondLst>
+                            <p:childTnLst>
+                              <p:par>
+                                <p:cTn id="5" presetID="10" presetClass="entr" presetSubtype="0" fill="hold" grpId="0" nodeType="clickEffect">
+                                  <p:stCondLst>
+                                    <p:cond delay="0"/>
+                                  </p:stCondLst>
+                                  <p:childTnLst>
+                                    <p:set>
+                                      <p:cBhvr>
+                                        <p:cTn id="6" dur="1" fill="hold">
+                                          <p:stCondLst>
+                                            <p:cond delay="0"/>
+                                          </p:stCondLst>
+                                        </p:cTn>
+                                        <p:tgtEl>
+                                          <p:spTgt spid="90">
+                                            <p:txEl>
+                                              <p:pRg st="0" end="0"/>
+                                            </p:txEl>
+                                          </p:spTgt>
+                                        </p:tgtEl>
+                                        <p:attrNameLst>
+                                          <p:attrName>style.visibility</p:attrName>
+                                        </p:attrNameLst>
+                                      </p:cBhvr>
+                                      <p:to>
+                                        <p:strVal val="visible"/>
+                                      </p:to>
+                                    </p:set>
+                                    <p:animEffect transition="in" filter="fade">
+                                      <p:cBhvr>
+                                        <p:cTn id="7" dur="500"/>
+                                        <p:tgtEl>
+                                          <p:spTgt spid="90">
+                                            <p:txEl>
+                                              <p:pRg st="0" end="0"/>
+                                            </p:txEl>
+                                          </p:spTgt>
+                                        </p:tgtEl>
+                                      </p:cBhvr>
+                                    </p:animEffect>
+                                  </p:childTnLst>
+                                </p:cTn>
+                              </p:par>
+                              <p:par>
+                                <p:cTn id="8" presetID="10" presetClass="entr" presetSubtype="0" fill="hold" grpId="0" nodeType="withEffect">
+                                  <p:stCondLst>
+                                    <p:cond delay="0"/>
+                                  </p:stCondLst>
+                                  <p:childTnLst>
+                                    <p:set>
+                                      <p:cBhvr>
+                                        <p:cTn id="9" dur="1" fill="hold">
+                                          <p:stCondLst>
+                                            <p:cond delay="0"/>
+                                          </p:stCondLst>
+                                        </p:cTn>
+                                        <p:tgtEl>
+                                          <p:spTgt spid="91"/>
+                                        </p:tgtEl>
+                                        <p:attrNameLst>
+                                          <p:attrName>style.visibility</p:attrName>
+                                        </p:attrNameLst>
+                                      </p:cBhvr>
+                                      <p:to>
+                                        <p:strVal val="visible"/>
+                                      </p:to>
+                                    </p:set>
+                                    <p:animEffect transition="in" filter="fade">
+                                      <p:cBhvr>
+                                        <p:cTn id="10" dur="500"/>
+                                        <p:tgtEl>
+                                          <p:spTgt spid="91"/>
+                                        </p:tgtEl>
+                                      </p:cBhvr>
+                                    </p:animEffect>
+                                  </p:childTnLst>
+                                </p:cTn>
+                              </p:par>
+                              <p:par>
+                                <p:cTn id="11" presetID="10" presetClass="entr" presetSubtype="0" fill="hold" grpId="0" nodeType="withEffect">
+                                  <p:stCondLst>
+                                    <p:cond delay="0"/>
+                                  </p:stCondLst>
+                                  <p:childTnLst>
+                                    <p:set>
+                                      <p:cBhvr>
+                                        <p:cTn id="12" dur="1" fill="hold">
+                                          <p:stCondLst>
+                                            <p:cond delay="0"/>
+                                          </p:stCondLst>
+                                        </p:cTn>
+                                        <p:tgtEl>
+                                          <p:spTgt spid="92"/>
+                                        </p:tgtEl>
+                                        <p:attrNameLst>
+                                          <p:attrName>style.visibility</p:attrName>
+                                        </p:attrNameLst>
+                                      </p:cBhvr>
+                                      <p:to>
+                                        <p:strVal val="visible"/>
+                                      </p:to>
+                                    </p:set>
+                                    <p:animEffect transition="in" filter="fade">
+                                      <p:cBhvr>
+                                        <p:cTn id="13" dur="500"/>
+                                        <p:tgtEl>
+                                          <p:spTgt spid="92"/>
+                                        </p:tgtEl>
+                                      </p:cBhvr>
+                                    </p:animEffect>
+                                  </p:childTnLst>
+                                </p:cTn>
+                              </p:par>
+                            </p:childTnLst>
+                          </p:cTn>
+                        </p:par>
+                      </p:childTnLst>
+                    </p:cTn>
+                  </p:par>
+                </p:childTnLst>
+              </p:cTn>
+              <p:prevCondLst>
+                <p:cond evt="onPrev" delay="0">
+                  <p:tgtEl>
+                    <p:sldTgt/>
+                  </p:tgtEl>
+                </p:cond>
+              </p:prevCondLst>
+              <p:nextCondLst>
+                <p:cond evt="onNext" delay="0">
+                  <p:tgtEl>
+                    <p:sldTgt/>
+                  </p:tgtEl>
+                </p:cond>
+              </p:nextCondLst>
+            </p:seq>
+          </p:childTnLst>
+        </p:cTn>
+      </p:par>
+    </p:tnLst>
+    <p:bldLst>
+      <p:bldP spid="90" grpId="0" build="p"/>
+      <p:bldP spid="91" grpId="0"/>
+      <p:bldP spid="92" grpId="0"/>
+    </p:bldLst>
+  </p:timing>
 </p:sld>
 </file>
 
@@ -12305,6 +12465,332 @@
   <p:clrMapOvr>
     <a:masterClrMapping/>
   </p:clrMapOvr>
+  <p:transition spd="slow">
+    <p:push dir="u"/>
+  </p:transition>
+  <p:timing>
+    <p:tnLst>
+      <p:par>
+        <p:cTn id="1" dur="indefinite" restart="never" nodeType="tmRoot">
+          <p:childTnLst>
+            <p:seq concurrent="1" nextAc="seek">
+              <p:cTn id="2" dur="indefinite" nodeType="mainSeq">
+                <p:childTnLst>
+                  <p:par>
+                    <p:cTn id="3" fill="hold">
+                      <p:stCondLst>
+                        <p:cond delay="indefinite"/>
+                        <p:cond evt="onBegin" delay="0">
+                          <p:tn val="2"/>
+                        </p:cond>
+                      </p:stCondLst>
+                      <p:childTnLst>
+                        <p:par>
+                          <p:cTn id="4" fill="hold">
+                            <p:stCondLst>
+                              <p:cond delay="0"/>
+                            </p:stCondLst>
+                            <p:childTnLst>
+                              <p:par>
+                                <p:cTn id="5" presetID="10" presetClass="entr" presetSubtype="0" fill="hold" grpId="0" nodeType="withEffect">
+                                  <p:stCondLst>
+                                    <p:cond delay="0"/>
+                                  </p:stCondLst>
+                                  <p:childTnLst>
+                                    <p:set>
+                                      <p:cBhvr>
+                                        <p:cTn id="6" dur="1" fill="hold">
+                                          <p:stCondLst>
+                                            <p:cond delay="0"/>
+                                          </p:stCondLst>
+                                        </p:cTn>
+                                        <p:tgtEl>
+                                          <p:spTgt spid="97"/>
+                                        </p:tgtEl>
+                                        <p:attrNameLst>
+                                          <p:attrName>style.visibility</p:attrName>
+                                        </p:attrNameLst>
+                                      </p:cBhvr>
+                                      <p:to>
+                                        <p:strVal val="visible"/>
+                                      </p:to>
+                                    </p:set>
+                                    <p:animEffect transition="in" filter="fade">
+                                      <p:cBhvr>
+                                        <p:cTn id="7" dur="500"/>
+                                        <p:tgtEl>
+                                          <p:spTgt spid="97"/>
+                                        </p:tgtEl>
+                                      </p:cBhvr>
+                                    </p:animEffect>
+                                  </p:childTnLst>
+                                </p:cTn>
+                              </p:par>
+                              <p:par>
+                                <p:cTn id="8" presetID="10" presetClass="entr" presetSubtype="0" fill="hold" grpId="0" nodeType="withEffect">
+                                  <p:stCondLst>
+                                    <p:cond delay="0"/>
+                                  </p:stCondLst>
+                                  <p:childTnLst>
+                                    <p:set>
+                                      <p:cBhvr>
+                                        <p:cTn id="9" dur="1" fill="hold">
+                                          <p:stCondLst>
+                                            <p:cond delay="0"/>
+                                          </p:stCondLst>
+                                        </p:cTn>
+                                        <p:tgtEl>
+                                          <p:spTgt spid="98">
+                                            <p:txEl>
+                                              <p:pRg st="0" end="0"/>
+                                            </p:txEl>
+                                          </p:spTgt>
+                                        </p:tgtEl>
+                                        <p:attrNameLst>
+                                          <p:attrName>style.visibility</p:attrName>
+                                        </p:attrNameLst>
+                                      </p:cBhvr>
+                                      <p:to>
+                                        <p:strVal val="visible"/>
+                                      </p:to>
+                                    </p:set>
+                                    <p:animEffect transition="in" filter="fade">
+                                      <p:cBhvr>
+                                        <p:cTn id="10" dur="500"/>
+                                        <p:tgtEl>
+                                          <p:spTgt spid="98">
+                                            <p:txEl>
+                                              <p:pRg st="0" end="0"/>
+                                            </p:txEl>
+                                          </p:spTgt>
+                                        </p:tgtEl>
+                                      </p:cBhvr>
+                                    </p:animEffect>
+                                  </p:childTnLst>
+                                </p:cTn>
+                              </p:par>
+                            </p:childTnLst>
+                          </p:cTn>
+                        </p:par>
+                      </p:childTnLst>
+                    </p:cTn>
+                  </p:par>
+                  <p:par>
+                    <p:cTn id="11" fill="hold">
+                      <p:stCondLst>
+                        <p:cond delay="indefinite"/>
+                      </p:stCondLst>
+                      <p:childTnLst>
+                        <p:par>
+                          <p:cTn id="12" fill="hold">
+                            <p:stCondLst>
+                              <p:cond delay="0"/>
+                            </p:stCondLst>
+                            <p:childTnLst>
+                              <p:par>
+                                <p:cTn id="13" presetID="10" presetClass="entr" presetSubtype="0" fill="hold" grpId="0" nodeType="clickEffect">
+                                  <p:stCondLst>
+                                    <p:cond delay="0"/>
+                                  </p:stCondLst>
+                                  <p:childTnLst>
+                                    <p:set>
+                                      <p:cBhvr>
+                                        <p:cTn id="14" dur="1" fill="hold">
+                                          <p:stCondLst>
+                                            <p:cond delay="0"/>
+                                          </p:stCondLst>
+                                        </p:cTn>
+                                        <p:tgtEl>
+                                          <p:spTgt spid="98">
+                                            <p:txEl>
+                                              <p:pRg st="2" end="2"/>
+                                            </p:txEl>
+                                          </p:spTgt>
+                                        </p:tgtEl>
+                                        <p:attrNameLst>
+                                          <p:attrName>style.visibility</p:attrName>
+                                        </p:attrNameLst>
+                                      </p:cBhvr>
+                                      <p:to>
+                                        <p:strVal val="visible"/>
+                                      </p:to>
+                                    </p:set>
+                                    <p:animEffect transition="in" filter="fade">
+                                      <p:cBhvr>
+                                        <p:cTn id="15" dur="500"/>
+                                        <p:tgtEl>
+                                          <p:spTgt spid="98">
+                                            <p:txEl>
+                                              <p:pRg st="2" end="2"/>
+                                            </p:txEl>
+                                          </p:spTgt>
+                                        </p:tgtEl>
+                                      </p:cBhvr>
+                                    </p:animEffect>
+                                  </p:childTnLst>
+                                </p:cTn>
+                              </p:par>
+                              <p:par>
+                                <p:cTn id="16" presetID="10" presetClass="entr" presetSubtype="0" fill="hold" grpId="0" nodeType="withEffect">
+                                  <p:stCondLst>
+                                    <p:cond delay="0"/>
+                                  </p:stCondLst>
+                                  <p:childTnLst>
+                                    <p:set>
+                                      <p:cBhvr>
+                                        <p:cTn id="17" dur="1" fill="hold">
+                                          <p:stCondLst>
+                                            <p:cond delay="0"/>
+                                          </p:stCondLst>
+                                        </p:cTn>
+                                        <p:tgtEl>
+                                          <p:spTgt spid="98">
+                                            <p:txEl>
+                                              <p:pRg st="3" end="3"/>
+                                            </p:txEl>
+                                          </p:spTgt>
+                                        </p:tgtEl>
+                                        <p:attrNameLst>
+                                          <p:attrName>style.visibility</p:attrName>
+                                        </p:attrNameLst>
+                                      </p:cBhvr>
+                                      <p:to>
+                                        <p:strVal val="visible"/>
+                                      </p:to>
+                                    </p:set>
+                                    <p:animEffect transition="in" filter="fade">
+                                      <p:cBhvr>
+                                        <p:cTn id="18" dur="500"/>
+                                        <p:tgtEl>
+                                          <p:spTgt spid="98">
+                                            <p:txEl>
+                                              <p:pRg st="3" end="3"/>
+                                            </p:txEl>
+                                          </p:spTgt>
+                                        </p:tgtEl>
+                                      </p:cBhvr>
+                                    </p:animEffect>
+                                  </p:childTnLst>
+                                </p:cTn>
+                              </p:par>
+                              <p:par>
+                                <p:cTn id="19" presetID="10" presetClass="entr" presetSubtype="0" fill="hold" grpId="0" nodeType="withEffect">
+                                  <p:stCondLst>
+                                    <p:cond delay="0"/>
+                                  </p:stCondLst>
+                                  <p:childTnLst>
+                                    <p:set>
+                                      <p:cBhvr>
+                                        <p:cTn id="20" dur="1" fill="hold">
+                                          <p:stCondLst>
+                                            <p:cond delay="0"/>
+                                          </p:stCondLst>
+                                        </p:cTn>
+                                        <p:tgtEl>
+                                          <p:spTgt spid="98">
+                                            <p:txEl>
+                                              <p:pRg st="4" end="4"/>
+                                            </p:txEl>
+                                          </p:spTgt>
+                                        </p:tgtEl>
+                                        <p:attrNameLst>
+                                          <p:attrName>style.visibility</p:attrName>
+                                        </p:attrNameLst>
+                                      </p:cBhvr>
+                                      <p:to>
+                                        <p:strVal val="visible"/>
+                                      </p:to>
+                                    </p:set>
+                                    <p:animEffect transition="in" filter="fade">
+                                      <p:cBhvr>
+                                        <p:cTn id="21" dur="500"/>
+                                        <p:tgtEl>
+                                          <p:spTgt spid="98">
+                                            <p:txEl>
+                                              <p:pRg st="4" end="4"/>
+                                            </p:txEl>
+                                          </p:spTgt>
+                                        </p:tgtEl>
+                                      </p:cBhvr>
+                                    </p:animEffect>
+                                  </p:childTnLst>
+                                </p:cTn>
+                              </p:par>
+                              <p:par>
+                                <p:cTn id="22" presetID="10" presetClass="entr" presetSubtype="0" fill="hold" grpId="0" nodeType="withEffect">
+                                  <p:stCondLst>
+                                    <p:cond delay="0"/>
+                                  </p:stCondLst>
+                                  <p:childTnLst>
+                                    <p:set>
+                                      <p:cBhvr>
+                                        <p:cTn id="23" dur="1" fill="hold">
+                                          <p:stCondLst>
+                                            <p:cond delay="0"/>
+                                          </p:stCondLst>
+                                        </p:cTn>
+                                        <p:tgtEl>
+                                          <p:spTgt spid="98">
+                                            <p:txEl>
+                                              <p:pRg st="5" end="5"/>
+                                            </p:txEl>
+                                          </p:spTgt>
+                                        </p:tgtEl>
+                                        <p:attrNameLst>
+                                          <p:attrName>style.visibility</p:attrName>
+                                        </p:attrNameLst>
+                                      </p:cBhvr>
+                                      <p:to>
+                                        <p:strVal val="visible"/>
+                                      </p:to>
+                                    </p:set>
+                                    <p:animEffect transition="in" filter="fade">
+                                      <p:cBhvr>
+                                        <p:cTn id="24" dur="500"/>
+                                        <p:tgtEl>
+                                          <p:spTgt spid="98">
+                                            <p:txEl>
+                                              <p:pRg st="5" end="5"/>
+                                            </p:txEl>
+                                          </p:spTgt>
+                                        </p:tgtEl>
+                                      </p:cBhvr>
+                                    </p:animEffect>
+                                  </p:childTnLst>
+                                </p:cTn>
+                              </p:par>
+                            </p:childTnLst>
+                          </p:cTn>
+                        </p:par>
+                      </p:childTnLst>
+                    </p:cTn>
+                  </p:par>
+                </p:childTnLst>
+              </p:cTn>
+              <p:prevCondLst>
+                <p:cond evt="onPrev" delay="0">
+                  <p:tgtEl>
+                    <p:sldTgt/>
+                  </p:tgtEl>
+                </p:cond>
+              </p:prevCondLst>
+              <p:nextCondLst>
+                <p:cond evt="onNext" delay="0">
+                  <p:tgtEl>
+                    <p:sldTgt/>
+                  </p:tgtEl>
+                </p:cond>
+              </p:nextCondLst>
+            </p:seq>
+          </p:childTnLst>
+        </p:cTn>
+      </p:par>
+    </p:tnLst>
+    <p:bldLst>
+      <p:bldP spid="97" grpId="0"/>
+      <p:bldP spid="98" grpId="0" uiExpand="1" build="p"/>
+    </p:bldLst>
+  </p:timing>
 </p:sld>
 </file>
 
@@ -12632,6 +13118,417 @@
   <p:clrMapOvr>
     <a:masterClrMapping/>
   </p:clrMapOvr>
+  <p:transition spd="slow">
+    <p:push dir="u"/>
+  </p:transition>
+  <p:timing>
+    <p:tnLst>
+      <p:par>
+        <p:cTn id="1" dur="indefinite" restart="never" nodeType="tmRoot">
+          <p:childTnLst>
+            <p:seq concurrent="1" nextAc="seek">
+              <p:cTn id="2" dur="indefinite" nodeType="mainSeq">
+                <p:childTnLst>
+                  <p:par>
+                    <p:cTn id="3" fill="hold">
+                      <p:stCondLst>
+                        <p:cond delay="indefinite"/>
+                        <p:cond evt="onBegin" delay="0">
+                          <p:tn val="2"/>
+                        </p:cond>
+                      </p:stCondLst>
+                      <p:childTnLst>
+                        <p:par>
+                          <p:cTn id="4" fill="hold">
+                            <p:stCondLst>
+                              <p:cond delay="0"/>
+                            </p:stCondLst>
+                            <p:childTnLst>
+                              <p:par>
+                                <p:cTn id="5" presetID="10" presetClass="entr" presetSubtype="0" fill="hold" grpId="0" nodeType="withEffect">
+                                  <p:stCondLst>
+                                    <p:cond delay="0"/>
+                                  </p:stCondLst>
+                                  <p:childTnLst>
+                                    <p:set>
+                                      <p:cBhvr>
+                                        <p:cTn id="6" dur="1" fill="hold">
+                                          <p:stCondLst>
+                                            <p:cond delay="0"/>
+                                          </p:stCondLst>
+                                        </p:cTn>
+                                        <p:tgtEl>
+                                          <p:spTgt spid="103"/>
+                                        </p:tgtEl>
+                                        <p:attrNameLst>
+                                          <p:attrName>style.visibility</p:attrName>
+                                        </p:attrNameLst>
+                                      </p:cBhvr>
+                                      <p:to>
+                                        <p:strVal val="visible"/>
+                                      </p:to>
+                                    </p:set>
+                                    <p:animEffect transition="in" filter="fade">
+                                      <p:cBhvr>
+                                        <p:cTn id="7" dur="500"/>
+                                        <p:tgtEl>
+                                          <p:spTgt spid="103"/>
+                                        </p:tgtEl>
+                                      </p:cBhvr>
+                                    </p:animEffect>
+                                  </p:childTnLst>
+                                </p:cTn>
+                              </p:par>
+                              <p:par>
+                                <p:cTn id="8" presetID="10" presetClass="entr" presetSubtype="0" fill="hold" nodeType="withEffect">
+                                  <p:stCondLst>
+                                    <p:cond delay="0"/>
+                                  </p:stCondLst>
+                                  <p:childTnLst>
+                                    <p:set>
+                                      <p:cBhvr>
+                                        <p:cTn id="9" dur="1" fill="hold">
+                                          <p:stCondLst>
+                                            <p:cond delay="0"/>
+                                          </p:stCondLst>
+                                        </p:cTn>
+                                        <p:tgtEl>
+                                          <p:spTgt spid="104">
+                                            <p:txEl>
+                                              <p:pRg st="0" end="0"/>
+                                            </p:txEl>
+                                          </p:spTgt>
+                                        </p:tgtEl>
+                                        <p:attrNameLst>
+                                          <p:attrName>style.visibility</p:attrName>
+                                        </p:attrNameLst>
+                                      </p:cBhvr>
+                                      <p:to>
+                                        <p:strVal val="visible"/>
+                                      </p:to>
+                                    </p:set>
+                                    <p:animEffect transition="in" filter="fade">
+                                      <p:cBhvr>
+                                        <p:cTn id="10" dur="500"/>
+                                        <p:tgtEl>
+                                          <p:spTgt spid="104">
+                                            <p:txEl>
+                                              <p:pRg st="0" end="0"/>
+                                            </p:txEl>
+                                          </p:spTgt>
+                                        </p:tgtEl>
+                                      </p:cBhvr>
+                                    </p:animEffect>
+                                  </p:childTnLst>
+                                </p:cTn>
+                              </p:par>
+                            </p:childTnLst>
+                          </p:cTn>
+                        </p:par>
+                      </p:childTnLst>
+                    </p:cTn>
+                  </p:par>
+                  <p:par>
+                    <p:cTn id="11" fill="hold">
+                      <p:stCondLst>
+                        <p:cond delay="indefinite"/>
+                      </p:stCondLst>
+                      <p:childTnLst>
+                        <p:par>
+                          <p:cTn id="12" fill="hold">
+                            <p:stCondLst>
+                              <p:cond delay="0"/>
+                            </p:stCondLst>
+                            <p:childTnLst>
+                              <p:par>
+                                <p:cTn id="13" presetID="10" presetClass="entr" presetSubtype="0" fill="hold" nodeType="clickEffect">
+                                  <p:stCondLst>
+                                    <p:cond delay="0"/>
+                                  </p:stCondLst>
+                                  <p:childTnLst>
+                                    <p:set>
+                                      <p:cBhvr>
+                                        <p:cTn id="14" dur="1" fill="hold">
+                                          <p:stCondLst>
+                                            <p:cond delay="0"/>
+                                          </p:stCondLst>
+                                        </p:cTn>
+                                        <p:tgtEl>
+                                          <p:spTgt spid="104">
+                                            <p:txEl>
+                                              <p:pRg st="2" end="2"/>
+                                            </p:txEl>
+                                          </p:spTgt>
+                                        </p:tgtEl>
+                                        <p:attrNameLst>
+                                          <p:attrName>style.visibility</p:attrName>
+                                        </p:attrNameLst>
+                                      </p:cBhvr>
+                                      <p:to>
+                                        <p:strVal val="visible"/>
+                                      </p:to>
+                                    </p:set>
+                                    <p:animEffect transition="in" filter="fade">
+                                      <p:cBhvr>
+                                        <p:cTn id="15" dur="500"/>
+                                        <p:tgtEl>
+                                          <p:spTgt spid="104">
+                                            <p:txEl>
+                                              <p:pRg st="2" end="2"/>
+                                            </p:txEl>
+                                          </p:spTgt>
+                                        </p:tgtEl>
+                                      </p:cBhvr>
+                                    </p:animEffect>
+                                  </p:childTnLst>
+                                </p:cTn>
+                              </p:par>
+                              <p:par>
+                                <p:cTn id="16" presetID="10" presetClass="entr" presetSubtype="0" fill="hold" nodeType="withEffect">
+                                  <p:stCondLst>
+                                    <p:cond delay="0"/>
+                                  </p:stCondLst>
+                                  <p:childTnLst>
+                                    <p:set>
+                                      <p:cBhvr>
+                                        <p:cTn id="17" dur="1" fill="hold">
+                                          <p:stCondLst>
+                                            <p:cond delay="0"/>
+                                          </p:stCondLst>
+                                        </p:cTn>
+                                        <p:tgtEl>
+                                          <p:spTgt spid="104">
+                                            <p:txEl>
+                                              <p:pRg st="3" end="3"/>
+                                            </p:txEl>
+                                          </p:spTgt>
+                                        </p:tgtEl>
+                                        <p:attrNameLst>
+                                          <p:attrName>style.visibility</p:attrName>
+                                        </p:attrNameLst>
+                                      </p:cBhvr>
+                                      <p:to>
+                                        <p:strVal val="visible"/>
+                                      </p:to>
+                                    </p:set>
+                                    <p:animEffect transition="in" filter="fade">
+                                      <p:cBhvr>
+                                        <p:cTn id="18" dur="500"/>
+                                        <p:tgtEl>
+                                          <p:spTgt spid="104">
+                                            <p:txEl>
+                                              <p:pRg st="3" end="3"/>
+                                            </p:txEl>
+                                          </p:spTgt>
+                                        </p:tgtEl>
+                                      </p:cBhvr>
+                                    </p:animEffect>
+                                  </p:childTnLst>
+                                </p:cTn>
+                              </p:par>
+                              <p:par>
+                                <p:cTn id="19" presetID="10" presetClass="entr" presetSubtype="0" fill="hold" nodeType="withEffect">
+                                  <p:stCondLst>
+                                    <p:cond delay="0"/>
+                                  </p:stCondLst>
+                                  <p:childTnLst>
+                                    <p:set>
+                                      <p:cBhvr>
+                                        <p:cTn id="20" dur="1" fill="hold">
+                                          <p:stCondLst>
+                                            <p:cond delay="0"/>
+                                          </p:stCondLst>
+                                        </p:cTn>
+                                        <p:tgtEl>
+                                          <p:spTgt spid="104">
+                                            <p:txEl>
+                                              <p:pRg st="4" end="4"/>
+                                            </p:txEl>
+                                          </p:spTgt>
+                                        </p:tgtEl>
+                                        <p:attrNameLst>
+                                          <p:attrName>style.visibility</p:attrName>
+                                        </p:attrNameLst>
+                                      </p:cBhvr>
+                                      <p:to>
+                                        <p:strVal val="visible"/>
+                                      </p:to>
+                                    </p:set>
+                                    <p:animEffect transition="in" filter="fade">
+                                      <p:cBhvr>
+                                        <p:cTn id="21" dur="500"/>
+                                        <p:tgtEl>
+                                          <p:spTgt spid="104">
+                                            <p:txEl>
+                                              <p:pRg st="4" end="4"/>
+                                            </p:txEl>
+                                          </p:spTgt>
+                                        </p:tgtEl>
+                                      </p:cBhvr>
+                                    </p:animEffect>
+                                  </p:childTnLst>
+                                </p:cTn>
+                              </p:par>
+                              <p:par>
+                                <p:cTn id="22" presetID="10" presetClass="entr" presetSubtype="0" fill="hold" nodeType="withEffect">
+                                  <p:stCondLst>
+                                    <p:cond delay="0"/>
+                                  </p:stCondLst>
+                                  <p:childTnLst>
+                                    <p:set>
+                                      <p:cBhvr>
+                                        <p:cTn id="23" dur="1" fill="hold">
+                                          <p:stCondLst>
+                                            <p:cond delay="0"/>
+                                          </p:stCondLst>
+                                        </p:cTn>
+                                        <p:tgtEl>
+                                          <p:spTgt spid="104">
+                                            <p:txEl>
+                                              <p:pRg st="5" end="5"/>
+                                            </p:txEl>
+                                          </p:spTgt>
+                                        </p:tgtEl>
+                                        <p:attrNameLst>
+                                          <p:attrName>style.visibility</p:attrName>
+                                        </p:attrNameLst>
+                                      </p:cBhvr>
+                                      <p:to>
+                                        <p:strVal val="visible"/>
+                                      </p:to>
+                                    </p:set>
+                                    <p:animEffect transition="in" filter="fade">
+                                      <p:cBhvr>
+                                        <p:cTn id="24" dur="500"/>
+                                        <p:tgtEl>
+                                          <p:spTgt spid="104">
+                                            <p:txEl>
+                                              <p:pRg st="5" end="5"/>
+                                            </p:txEl>
+                                          </p:spTgt>
+                                        </p:tgtEl>
+                                      </p:cBhvr>
+                                    </p:animEffect>
+                                  </p:childTnLst>
+                                </p:cTn>
+                              </p:par>
+                              <p:par>
+                                <p:cTn id="25" presetID="10" presetClass="entr" presetSubtype="0" fill="hold" nodeType="withEffect">
+                                  <p:stCondLst>
+                                    <p:cond delay="0"/>
+                                  </p:stCondLst>
+                                  <p:childTnLst>
+                                    <p:set>
+                                      <p:cBhvr>
+                                        <p:cTn id="26" dur="1" fill="hold">
+                                          <p:stCondLst>
+                                            <p:cond delay="0"/>
+                                          </p:stCondLst>
+                                        </p:cTn>
+                                        <p:tgtEl>
+                                          <p:spTgt spid="104">
+                                            <p:txEl>
+                                              <p:pRg st="6" end="6"/>
+                                            </p:txEl>
+                                          </p:spTgt>
+                                        </p:tgtEl>
+                                        <p:attrNameLst>
+                                          <p:attrName>style.visibility</p:attrName>
+                                        </p:attrNameLst>
+                                      </p:cBhvr>
+                                      <p:to>
+                                        <p:strVal val="visible"/>
+                                      </p:to>
+                                    </p:set>
+                                    <p:animEffect transition="in" filter="fade">
+                                      <p:cBhvr>
+                                        <p:cTn id="27" dur="500"/>
+                                        <p:tgtEl>
+                                          <p:spTgt spid="104">
+                                            <p:txEl>
+                                              <p:pRg st="6" end="6"/>
+                                            </p:txEl>
+                                          </p:spTgt>
+                                        </p:tgtEl>
+                                      </p:cBhvr>
+                                    </p:animEffect>
+                                  </p:childTnLst>
+                                </p:cTn>
+                              </p:par>
+                              <p:par>
+                                <p:cTn id="28" presetID="10" presetClass="entr" presetSubtype="0" fill="hold" nodeType="withEffect">
+                                  <p:stCondLst>
+                                    <p:cond delay="0"/>
+                                  </p:stCondLst>
+                                  <p:childTnLst>
+                                    <p:set>
+                                      <p:cBhvr>
+                                        <p:cTn id="29" dur="1" fill="hold">
+                                          <p:stCondLst>
+                                            <p:cond delay="0"/>
+                                          </p:stCondLst>
+                                        </p:cTn>
+                                        <p:tgtEl>
+                                          <p:spTgt spid="104">
+                                            <p:txEl>
+                                              <p:pRg st="7" end="7"/>
+                                            </p:txEl>
+                                          </p:spTgt>
+                                        </p:tgtEl>
+                                        <p:attrNameLst>
+                                          <p:attrName>style.visibility</p:attrName>
+                                        </p:attrNameLst>
+                                      </p:cBhvr>
+                                      <p:to>
+                                        <p:strVal val="visible"/>
+                                      </p:to>
+                                    </p:set>
+                                    <p:animEffect transition="in" filter="fade">
+                                      <p:cBhvr>
+                                        <p:cTn id="30" dur="500"/>
+                                        <p:tgtEl>
+                                          <p:spTgt spid="104">
+                                            <p:txEl>
+                                              <p:pRg st="7" end="7"/>
+                                            </p:txEl>
+                                          </p:spTgt>
+                                        </p:tgtEl>
+                                      </p:cBhvr>
+                                    </p:animEffect>
+                                  </p:childTnLst>
+                                </p:cTn>
+                              </p:par>
+                            </p:childTnLst>
+                          </p:cTn>
+                        </p:par>
+                      </p:childTnLst>
+                    </p:cTn>
+                  </p:par>
+                </p:childTnLst>
+              </p:cTn>
+              <p:prevCondLst>
+                <p:cond evt="onPrev" delay="0">
+                  <p:tgtEl>
+                    <p:sldTgt/>
+                  </p:tgtEl>
+                </p:cond>
+              </p:prevCondLst>
+              <p:nextCondLst>
+                <p:cond evt="onNext" delay="0">
+                  <p:tgtEl>
+                    <p:sldTgt/>
+                  </p:tgtEl>
+                </p:cond>
+              </p:nextCondLst>
+            </p:seq>
+          </p:childTnLst>
+        </p:cTn>
+      </p:par>
+    </p:tnLst>
+    <p:bldLst>
+      <p:bldP spid="103" grpId="0"/>
+    </p:bldLst>
+  </p:timing>
 </p:sld>
 </file>
 
@@ -12752,10 +13649,10 @@
               <a:buChar char="•"/>
             </a:pPr>
             <a:r>
-              <a:rPr lang="hu-HU"/>
+              <a:rPr lang="hu-HU" dirty="0"/>
               <a:t>Készítette:  Tófalvi Zalán</a:t>
             </a:r>
-            <a:endParaRPr/>
+            <a:endParaRPr dirty="0"/>
           </a:p>
           <a:p>
             <a:pPr marL="228600" lvl="0" indent="-50800" algn="l" rtl="0">
@@ -12774,7 +13671,7 @@
               <a:buSzPts val="2800"/>
               <a:buNone/>
             </a:pPr>
-            <a:endParaRPr/>
+            <a:endParaRPr dirty="0"/>
           </a:p>
           <a:p>
             <a:pPr marL="228600" lvl="0" indent="-228600" algn="l" rtl="0">
@@ -12794,10 +13691,10 @@
               <a:buChar char="•"/>
             </a:pPr>
             <a:r>
-              <a:rPr lang="hu-HU"/>
+              <a:rPr lang="hu-HU" dirty="0"/>
               <a:t>Rólunk oldalunkon:</a:t>
             </a:r>
-            <a:endParaRPr/>
+            <a:endParaRPr dirty="0"/>
           </a:p>
           <a:p>
             <a:pPr marL="685800" lvl="1" indent="-228600" algn="l" rtl="0">
@@ -12817,10 +13714,10 @@
               <a:buChar char="•"/>
             </a:pPr>
             <a:r>
-              <a:rPr lang="hu-HU"/>
+              <a:rPr lang="hu-HU" dirty="0"/>
               <a:t>Bemutatkozás</a:t>
             </a:r>
-            <a:endParaRPr/>
+            <a:endParaRPr dirty="0"/>
           </a:p>
           <a:p>
             <a:pPr marL="685800" lvl="1" indent="-228600" algn="l" rtl="0">
@@ -12840,10 +13737,10 @@
               <a:buChar char="•"/>
             </a:pPr>
             <a:r>
-              <a:rPr lang="hu-HU"/>
+              <a:rPr lang="hu-HU" dirty="0"/>
               <a:t>Nevünk eredete</a:t>
             </a:r>
-            <a:endParaRPr/>
+            <a:endParaRPr dirty="0"/>
           </a:p>
           <a:p>
             <a:pPr marL="685800" lvl="1" indent="-228600" algn="l" rtl="0">
@@ -12863,10 +13760,10 @@
               <a:buChar char="•"/>
             </a:pPr>
             <a:r>
-              <a:rPr lang="hu-HU"/>
+              <a:rPr lang="hu-HU" dirty="0"/>
               <a:t>Elit séfjeink</a:t>
             </a:r>
-            <a:endParaRPr/>
+            <a:endParaRPr dirty="0"/>
           </a:p>
           <a:p>
             <a:pPr marL="685800" lvl="1" indent="-228600" algn="l" rtl="0">
@@ -12886,10 +13783,10 @@
               <a:buChar char="•"/>
             </a:pPr>
             <a:r>
-              <a:rPr lang="hu-HU"/>
+              <a:rPr lang="hu-HU" dirty="0"/>
               <a:t>Éttermünk elhelyezkedése</a:t>
             </a:r>
-            <a:endParaRPr/>
+            <a:endParaRPr dirty="0"/>
           </a:p>
           <a:p>
             <a:pPr marL="685800" lvl="1" indent="-228600" algn="l" rtl="0">
@@ -12909,10 +13806,10 @@
               <a:buChar char="•"/>
             </a:pPr>
             <a:r>
-              <a:rPr lang="hu-HU"/>
+              <a:rPr lang="hu-HU" dirty="0"/>
               <a:t>És egy kis kedvcsináló videó található</a:t>
             </a:r>
-            <a:endParaRPr/>
+            <a:endParaRPr dirty="0"/>
           </a:p>
         </p:txBody>
       </p:sp>
@@ -12921,6 +13818,417 @@
   <p:clrMapOvr>
     <a:masterClrMapping/>
   </p:clrMapOvr>
+  <p:transition spd="slow">
+    <p:push dir="u"/>
+  </p:transition>
+  <p:timing>
+    <p:tnLst>
+      <p:par>
+        <p:cTn id="1" dur="indefinite" restart="never" nodeType="tmRoot">
+          <p:childTnLst>
+            <p:seq concurrent="1" nextAc="seek">
+              <p:cTn id="2" dur="indefinite" nodeType="mainSeq">
+                <p:childTnLst>
+                  <p:par>
+                    <p:cTn id="3" fill="hold">
+                      <p:stCondLst>
+                        <p:cond delay="indefinite"/>
+                        <p:cond evt="onBegin" delay="0">
+                          <p:tn val="2"/>
+                        </p:cond>
+                      </p:stCondLst>
+                      <p:childTnLst>
+                        <p:par>
+                          <p:cTn id="4" fill="hold">
+                            <p:stCondLst>
+                              <p:cond delay="0"/>
+                            </p:stCondLst>
+                            <p:childTnLst>
+                              <p:par>
+                                <p:cTn id="5" presetID="10" presetClass="entr" presetSubtype="0" fill="hold" grpId="0" nodeType="withEffect">
+                                  <p:stCondLst>
+                                    <p:cond delay="0"/>
+                                  </p:stCondLst>
+                                  <p:childTnLst>
+                                    <p:set>
+                                      <p:cBhvr>
+                                        <p:cTn id="6" dur="1" fill="hold">
+                                          <p:stCondLst>
+                                            <p:cond delay="0"/>
+                                          </p:stCondLst>
+                                        </p:cTn>
+                                        <p:tgtEl>
+                                          <p:spTgt spid="109"/>
+                                        </p:tgtEl>
+                                        <p:attrNameLst>
+                                          <p:attrName>style.visibility</p:attrName>
+                                        </p:attrNameLst>
+                                      </p:cBhvr>
+                                      <p:to>
+                                        <p:strVal val="visible"/>
+                                      </p:to>
+                                    </p:set>
+                                    <p:animEffect transition="in" filter="fade">
+                                      <p:cBhvr>
+                                        <p:cTn id="7" dur="500"/>
+                                        <p:tgtEl>
+                                          <p:spTgt spid="109"/>
+                                        </p:tgtEl>
+                                      </p:cBhvr>
+                                    </p:animEffect>
+                                  </p:childTnLst>
+                                </p:cTn>
+                              </p:par>
+                              <p:par>
+                                <p:cTn id="8" presetID="10" presetClass="entr" presetSubtype="0" fill="hold" nodeType="withEffect">
+                                  <p:stCondLst>
+                                    <p:cond delay="0"/>
+                                  </p:stCondLst>
+                                  <p:childTnLst>
+                                    <p:set>
+                                      <p:cBhvr>
+                                        <p:cTn id="9" dur="1" fill="hold">
+                                          <p:stCondLst>
+                                            <p:cond delay="0"/>
+                                          </p:stCondLst>
+                                        </p:cTn>
+                                        <p:tgtEl>
+                                          <p:spTgt spid="110">
+                                            <p:txEl>
+                                              <p:pRg st="0" end="0"/>
+                                            </p:txEl>
+                                          </p:spTgt>
+                                        </p:tgtEl>
+                                        <p:attrNameLst>
+                                          <p:attrName>style.visibility</p:attrName>
+                                        </p:attrNameLst>
+                                      </p:cBhvr>
+                                      <p:to>
+                                        <p:strVal val="visible"/>
+                                      </p:to>
+                                    </p:set>
+                                    <p:animEffect transition="in" filter="fade">
+                                      <p:cBhvr>
+                                        <p:cTn id="10" dur="500"/>
+                                        <p:tgtEl>
+                                          <p:spTgt spid="110">
+                                            <p:txEl>
+                                              <p:pRg st="0" end="0"/>
+                                            </p:txEl>
+                                          </p:spTgt>
+                                        </p:tgtEl>
+                                      </p:cBhvr>
+                                    </p:animEffect>
+                                  </p:childTnLst>
+                                </p:cTn>
+                              </p:par>
+                            </p:childTnLst>
+                          </p:cTn>
+                        </p:par>
+                      </p:childTnLst>
+                    </p:cTn>
+                  </p:par>
+                  <p:par>
+                    <p:cTn id="11" fill="hold">
+                      <p:stCondLst>
+                        <p:cond delay="indefinite"/>
+                      </p:stCondLst>
+                      <p:childTnLst>
+                        <p:par>
+                          <p:cTn id="12" fill="hold">
+                            <p:stCondLst>
+                              <p:cond delay="0"/>
+                            </p:stCondLst>
+                            <p:childTnLst>
+                              <p:par>
+                                <p:cTn id="13" presetID="10" presetClass="entr" presetSubtype="0" fill="hold" nodeType="clickEffect">
+                                  <p:stCondLst>
+                                    <p:cond delay="0"/>
+                                  </p:stCondLst>
+                                  <p:childTnLst>
+                                    <p:set>
+                                      <p:cBhvr>
+                                        <p:cTn id="14" dur="1" fill="hold">
+                                          <p:stCondLst>
+                                            <p:cond delay="0"/>
+                                          </p:stCondLst>
+                                        </p:cTn>
+                                        <p:tgtEl>
+                                          <p:spTgt spid="110">
+                                            <p:txEl>
+                                              <p:pRg st="2" end="2"/>
+                                            </p:txEl>
+                                          </p:spTgt>
+                                        </p:tgtEl>
+                                        <p:attrNameLst>
+                                          <p:attrName>style.visibility</p:attrName>
+                                        </p:attrNameLst>
+                                      </p:cBhvr>
+                                      <p:to>
+                                        <p:strVal val="visible"/>
+                                      </p:to>
+                                    </p:set>
+                                    <p:animEffect transition="in" filter="fade">
+                                      <p:cBhvr>
+                                        <p:cTn id="15" dur="500"/>
+                                        <p:tgtEl>
+                                          <p:spTgt spid="110">
+                                            <p:txEl>
+                                              <p:pRg st="2" end="2"/>
+                                            </p:txEl>
+                                          </p:spTgt>
+                                        </p:tgtEl>
+                                      </p:cBhvr>
+                                    </p:animEffect>
+                                  </p:childTnLst>
+                                </p:cTn>
+                              </p:par>
+                              <p:par>
+                                <p:cTn id="16" presetID="10" presetClass="entr" presetSubtype="0" fill="hold" nodeType="withEffect">
+                                  <p:stCondLst>
+                                    <p:cond delay="0"/>
+                                  </p:stCondLst>
+                                  <p:childTnLst>
+                                    <p:set>
+                                      <p:cBhvr>
+                                        <p:cTn id="17" dur="1" fill="hold">
+                                          <p:stCondLst>
+                                            <p:cond delay="0"/>
+                                          </p:stCondLst>
+                                        </p:cTn>
+                                        <p:tgtEl>
+                                          <p:spTgt spid="110">
+                                            <p:txEl>
+                                              <p:pRg st="3" end="3"/>
+                                            </p:txEl>
+                                          </p:spTgt>
+                                        </p:tgtEl>
+                                        <p:attrNameLst>
+                                          <p:attrName>style.visibility</p:attrName>
+                                        </p:attrNameLst>
+                                      </p:cBhvr>
+                                      <p:to>
+                                        <p:strVal val="visible"/>
+                                      </p:to>
+                                    </p:set>
+                                    <p:animEffect transition="in" filter="fade">
+                                      <p:cBhvr>
+                                        <p:cTn id="18" dur="500"/>
+                                        <p:tgtEl>
+                                          <p:spTgt spid="110">
+                                            <p:txEl>
+                                              <p:pRg st="3" end="3"/>
+                                            </p:txEl>
+                                          </p:spTgt>
+                                        </p:tgtEl>
+                                      </p:cBhvr>
+                                    </p:animEffect>
+                                  </p:childTnLst>
+                                </p:cTn>
+                              </p:par>
+                              <p:par>
+                                <p:cTn id="19" presetID="10" presetClass="entr" presetSubtype="0" fill="hold" nodeType="withEffect">
+                                  <p:stCondLst>
+                                    <p:cond delay="0"/>
+                                  </p:stCondLst>
+                                  <p:childTnLst>
+                                    <p:set>
+                                      <p:cBhvr>
+                                        <p:cTn id="20" dur="1" fill="hold">
+                                          <p:stCondLst>
+                                            <p:cond delay="0"/>
+                                          </p:stCondLst>
+                                        </p:cTn>
+                                        <p:tgtEl>
+                                          <p:spTgt spid="110">
+                                            <p:txEl>
+                                              <p:pRg st="4" end="4"/>
+                                            </p:txEl>
+                                          </p:spTgt>
+                                        </p:tgtEl>
+                                        <p:attrNameLst>
+                                          <p:attrName>style.visibility</p:attrName>
+                                        </p:attrNameLst>
+                                      </p:cBhvr>
+                                      <p:to>
+                                        <p:strVal val="visible"/>
+                                      </p:to>
+                                    </p:set>
+                                    <p:animEffect transition="in" filter="fade">
+                                      <p:cBhvr>
+                                        <p:cTn id="21" dur="500"/>
+                                        <p:tgtEl>
+                                          <p:spTgt spid="110">
+                                            <p:txEl>
+                                              <p:pRg st="4" end="4"/>
+                                            </p:txEl>
+                                          </p:spTgt>
+                                        </p:tgtEl>
+                                      </p:cBhvr>
+                                    </p:animEffect>
+                                  </p:childTnLst>
+                                </p:cTn>
+                              </p:par>
+                              <p:par>
+                                <p:cTn id="22" presetID="10" presetClass="entr" presetSubtype="0" fill="hold" nodeType="withEffect">
+                                  <p:stCondLst>
+                                    <p:cond delay="0"/>
+                                  </p:stCondLst>
+                                  <p:childTnLst>
+                                    <p:set>
+                                      <p:cBhvr>
+                                        <p:cTn id="23" dur="1" fill="hold">
+                                          <p:stCondLst>
+                                            <p:cond delay="0"/>
+                                          </p:stCondLst>
+                                        </p:cTn>
+                                        <p:tgtEl>
+                                          <p:spTgt spid="110">
+                                            <p:txEl>
+                                              <p:pRg st="5" end="5"/>
+                                            </p:txEl>
+                                          </p:spTgt>
+                                        </p:tgtEl>
+                                        <p:attrNameLst>
+                                          <p:attrName>style.visibility</p:attrName>
+                                        </p:attrNameLst>
+                                      </p:cBhvr>
+                                      <p:to>
+                                        <p:strVal val="visible"/>
+                                      </p:to>
+                                    </p:set>
+                                    <p:animEffect transition="in" filter="fade">
+                                      <p:cBhvr>
+                                        <p:cTn id="24" dur="500"/>
+                                        <p:tgtEl>
+                                          <p:spTgt spid="110">
+                                            <p:txEl>
+                                              <p:pRg st="5" end="5"/>
+                                            </p:txEl>
+                                          </p:spTgt>
+                                        </p:tgtEl>
+                                      </p:cBhvr>
+                                    </p:animEffect>
+                                  </p:childTnLst>
+                                </p:cTn>
+                              </p:par>
+                              <p:par>
+                                <p:cTn id="25" presetID="10" presetClass="entr" presetSubtype="0" fill="hold" nodeType="withEffect">
+                                  <p:stCondLst>
+                                    <p:cond delay="0"/>
+                                  </p:stCondLst>
+                                  <p:childTnLst>
+                                    <p:set>
+                                      <p:cBhvr>
+                                        <p:cTn id="26" dur="1" fill="hold">
+                                          <p:stCondLst>
+                                            <p:cond delay="0"/>
+                                          </p:stCondLst>
+                                        </p:cTn>
+                                        <p:tgtEl>
+                                          <p:spTgt spid="110">
+                                            <p:txEl>
+                                              <p:pRg st="6" end="6"/>
+                                            </p:txEl>
+                                          </p:spTgt>
+                                        </p:tgtEl>
+                                        <p:attrNameLst>
+                                          <p:attrName>style.visibility</p:attrName>
+                                        </p:attrNameLst>
+                                      </p:cBhvr>
+                                      <p:to>
+                                        <p:strVal val="visible"/>
+                                      </p:to>
+                                    </p:set>
+                                    <p:animEffect transition="in" filter="fade">
+                                      <p:cBhvr>
+                                        <p:cTn id="27" dur="500"/>
+                                        <p:tgtEl>
+                                          <p:spTgt spid="110">
+                                            <p:txEl>
+                                              <p:pRg st="6" end="6"/>
+                                            </p:txEl>
+                                          </p:spTgt>
+                                        </p:tgtEl>
+                                      </p:cBhvr>
+                                    </p:animEffect>
+                                  </p:childTnLst>
+                                </p:cTn>
+                              </p:par>
+                              <p:par>
+                                <p:cTn id="28" presetID="10" presetClass="entr" presetSubtype="0" fill="hold" nodeType="withEffect">
+                                  <p:stCondLst>
+                                    <p:cond delay="0"/>
+                                  </p:stCondLst>
+                                  <p:childTnLst>
+                                    <p:set>
+                                      <p:cBhvr>
+                                        <p:cTn id="29" dur="1" fill="hold">
+                                          <p:stCondLst>
+                                            <p:cond delay="0"/>
+                                          </p:stCondLst>
+                                        </p:cTn>
+                                        <p:tgtEl>
+                                          <p:spTgt spid="110">
+                                            <p:txEl>
+                                              <p:pRg st="7" end="7"/>
+                                            </p:txEl>
+                                          </p:spTgt>
+                                        </p:tgtEl>
+                                        <p:attrNameLst>
+                                          <p:attrName>style.visibility</p:attrName>
+                                        </p:attrNameLst>
+                                      </p:cBhvr>
+                                      <p:to>
+                                        <p:strVal val="visible"/>
+                                      </p:to>
+                                    </p:set>
+                                    <p:animEffect transition="in" filter="fade">
+                                      <p:cBhvr>
+                                        <p:cTn id="30" dur="500"/>
+                                        <p:tgtEl>
+                                          <p:spTgt spid="110">
+                                            <p:txEl>
+                                              <p:pRg st="7" end="7"/>
+                                            </p:txEl>
+                                          </p:spTgt>
+                                        </p:tgtEl>
+                                      </p:cBhvr>
+                                    </p:animEffect>
+                                  </p:childTnLst>
+                                </p:cTn>
+                              </p:par>
+                            </p:childTnLst>
+                          </p:cTn>
+                        </p:par>
+                      </p:childTnLst>
+                    </p:cTn>
+                  </p:par>
+                </p:childTnLst>
+              </p:cTn>
+              <p:prevCondLst>
+                <p:cond evt="onPrev" delay="0">
+                  <p:tgtEl>
+                    <p:sldTgt/>
+                  </p:tgtEl>
+                </p:cond>
+              </p:prevCondLst>
+              <p:nextCondLst>
+                <p:cond evt="onNext" delay="0">
+                  <p:tgtEl>
+                    <p:sldTgt/>
+                  </p:tgtEl>
+                </p:cond>
+              </p:nextCondLst>
+            </p:seq>
+          </p:childTnLst>
+        </p:cTn>
+      </p:par>
+    </p:tnLst>
+    <p:bldLst>
+      <p:bldP spid="109" grpId="0"/>
+    </p:bldLst>
+  </p:timing>
 </p:sld>
 </file>
 
@@ -13041,10 +14349,10 @@
               <a:buChar char="•"/>
             </a:pPr>
             <a:r>
-              <a:rPr lang="hu-HU"/>
+              <a:rPr lang="hu-HU" dirty="0"/>
               <a:t>Készítette:  Tófalvi Zalán és Süke Benedek</a:t>
             </a:r>
-            <a:endParaRPr/>
+            <a:endParaRPr dirty="0"/>
           </a:p>
           <a:p>
             <a:pPr marL="228600" lvl="0" indent="-50800" algn="l" rtl="0">
@@ -13063,7 +14371,7 @@
               <a:buSzPts val="2800"/>
               <a:buNone/>
             </a:pPr>
-            <a:endParaRPr/>
+            <a:endParaRPr dirty="0"/>
           </a:p>
           <a:p>
             <a:pPr marL="228600" lvl="0" indent="-228600" algn="l" rtl="0">
@@ -13083,10 +14391,10 @@
               <a:buChar char="•"/>
             </a:pPr>
             <a:r>
-              <a:rPr lang="hu-HU"/>
+              <a:rPr lang="hu-HU" dirty="0"/>
               <a:t>Rendelés oldalunkon:</a:t>
             </a:r>
-            <a:endParaRPr/>
+            <a:endParaRPr dirty="0"/>
           </a:p>
           <a:p>
             <a:pPr marL="228600" lvl="0" indent="-50800" algn="l" rtl="0">
@@ -13105,7 +14413,7 @@
               <a:buSzPts val="2800"/>
               <a:buNone/>
             </a:pPr>
-            <a:endParaRPr/>
+            <a:endParaRPr dirty="0"/>
           </a:p>
           <a:p>
             <a:pPr marL="228600" lvl="0" indent="-50800" algn="l" rtl="0">
@@ -13124,7 +14432,7 @@
               <a:buSzPts val="2800"/>
               <a:buNone/>
             </a:pPr>
-            <a:endParaRPr/>
+            <a:endParaRPr dirty="0"/>
           </a:p>
           <a:p>
             <a:pPr marL="228600" lvl="0" indent="-50800" algn="l" rtl="0">
@@ -13143,7 +14451,7 @@
               <a:buSzPts val="2800"/>
               <a:buNone/>
             </a:pPr>
-            <a:endParaRPr/>
+            <a:endParaRPr dirty="0"/>
           </a:p>
           <a:p>
             <a:pPr marL="228600" lvl="0" indent="-50800" algn="l" rtl="0">
@@ -13162,7 +14470,7 @@
               <a:buSzPts val="2800"/>
               <a:buNone/>
             </a:pPr>
-            <a:endParaRPr/>
+            <a:endParaRPr dirty="0"/>
           </a:p>
           <a:p>
             <a:pPr marL="228600" lvl="0" indent="-228600" algn="l" rtl="0">
@@ -13182,10 +14490,10 @@
               <a:buChar char="•"/>
             </a:pPr>
             <a:r>
-              <a:rPr lang="hu-HU"/>
+              <a:rPr lang="hu-HU" dirty="0"/>
               <a:t>A képek gyűjtése pedig együttes erőfeszítés volt. </a:t>
             </a:r>
-            <a:endParaRPr/>
+            <a:endParaRPr dirty="0"/>
           </a:p>
         </p:txBody>
       </p:sp>
@@ -13229,7 +14537,7 @@
               <a:buChar char="•"/>
             </a:pPr>
             <a:r>
-              <a:rPr lang="hu-HU" sz="2000">
+              <a:rPr lang="hu-HU" sz="2000" dirty="0">
                 <a:solidFill>
                   <a:schemeClr val="lt1"/>
                 </a:solidFill>
@@ -13240,7 +14548,7 @@
               </a:rPr>
               <a:t>Zalán csinálta az:</a:t>
             </a:r>
-            <a:endParaRPr/>
+            <a:endParaRPr dirty="0"/>
           </a:p>
           <a:p>
             <a:pPr marL="285750" marR="0" lvl="0" indent="-158750" algn="l" rtl="0">
@@ -13257,7 +14565,7 @@
               <a:buFont typeface="Arial"/>
               <a:buNone/>
             </a:pPr>
-            <a:endParaRPr sz="2000">
+            <a:endParaRPr sz="2000" dirty="0">
               <a:solidFill>
                 <a:schemeClr val="lt1"/>
               </a:solidFill>
@@ -13283,7 +14591,7 @@
               <a:buChar char="○"/>
             </a:pPr>
             <a:r>
-              <a:rPr lang="hu-HU" sz="2000">
+              <a:rPr lang="hu-HU" sz="2000" dirty="0">
                 <a:solidFill>
                   <a:schemeClr val="lt1"/>
                 </a:solidFill>
@@ -13294,7 +14602,7 @@
               </a:rPr>
               <a:t>Űrlapot</a:t>
             </a:r>
-            <a:endParaRPr sz="2000">
+            <a:endParaRPr sz="2000" dirty="0">
               <a:solidFill>
                 <a:schemeClr val="lt1"/>
               </a:solidFill>
@@ -13314,7 +14622,7 @@
               </a:spcAft>
               <a:buNone/>
             </a:pPr>
-            <a:endParaRPr sz="1800">
+            <a:endParaRPr sz="1800" dirty="0">
               <a:solidFill>
                 <a:schemeClr val="lt1"/>
               </a:solidFill>
@@ -13334,7 +14642,7 @@
               </a:spcAft>
               <a:buNone/>
             </a:pPr>
-            <a:endParaRPr sz="1800">
+            <a:endParaRPr sz="1800" dirty="0">
               <a:solidFill>
                 <a:schemeClr val="lt1"/>
               </a:solidFill>
@@ -13354,7 +14662,7 @@
               </a:spcAft>
               <a:buNone/>
             </a:pPr>
-            <a:endParaRPr sz="1800">
+            <a:endParaRPr sz="1800" dirty="0">
               <a:solidFill>
                 <a:schemeClr val="lt1"/>
               </a:solidFill>
@@ -13406,7 +14714,7 @@
               <a:buChar char="•"/>
             </a:pPr>
             <a:r>
-              <a:rPr lang="hu-HU" sz="2000">
+              <a:rPr lang="hu-HU" sz="2000" dirty="0">
                 <a:solidFill>
                   <a:schemeClr val="lt1"/>
                 </a:solidFill>
@@ -13417,7 +14725,7 @@
               </a:rPr>
               <a:t>Benedek pedig a:</a:t>
             </a:r>
-            <a:endParaRPr/>
+            <a:endParaRPr dirty="0"/>
           </a:p>
           <a:p>
             <a:pPr marL="285750" marR="0" lvl="0" indent="-158750" algn="l" rtl="0">
@@ -13434,7 +14742,7 @@
               <a:buFont typeface="Arial"/>
               <a:buNone/>
             </a:pPr>
-            <a:endParaRPr sz="2000">
+            <a:endParaRPr sz="2000" dirty="0">
               <a:solidFill>
                 <a:schemeClr val="lt1"/>
               </a:solidFill>
@@ -13460,7 +14768,7 @@
               <a:buChar char="○"/>
             </a:pPr>
             <a:r>
-              <a:rPr lang="hu-HU" sz="2000">
+              <a:rPr lang="hu-HU" sz="2000" dirty="0">
                 <a:solidFill>
                   <a:schemeClr val="lt1"/>
                 </a:solidFill>
@@ -13471,7 +14779,7 @@
               </a:rPr>
               <a:t> Űrlap formázását</a:t>
             </a:r>
-            <a:endParaRPr sz="2000">
+            <a:endParaRPr sz="2000" dirty="0">
               <a:solidFill>
                 <a:schemeClr val="lt1"/>
               </a:solidFill>
@@ -13488,6 +14796,335 @@
   <p:clrMapOvr>
     <a:masterClrMapping/>
   </p:clrMapOvr>
+  <p:transition spd="slow">
+    <p:push dir="u"/>
+  </p:transition>
+  <p:timing>
+    <p:tnLst>
+      <p:par>
+        <p:cTn id="1" dur="indefinite" restart="never" nodeType="tmRoot">
+          <p:childTnLst>
+            <p:seq concurrent="1" nextAc="seek">
+              <p:cTn id="2" dur="indefinite" nodeType="mainSeq">
+                <p:childTnLst>
+                  <p:par>
+                    <p:cTn id="3" fill="hold">
+                      <p:stCondLst>
+                        <p:cond delay="indefinite"/>
+                        <p:cond evt="onBegin" delay="0">
+                          <p:tn val="2"/>
+                        </p:cond>
+                      </p:stCondLst>
+                      <p:childTnLst>
+                        <p:par>
+                          <p:cTn id="4" fill="hold">
+                            <p:stCondLst>
+                              <p:cond delay="0"/>
+                            </p:stCondLst>
+                            <p:childTnLst>
+                              <p:par>
+                                <p:cTn id="5" presetID="10" presetClass="entr" presetSubtype="0" fill="hold" grpId="0" nodeType="withEffect">
+                                  <p:stCondLst>
+                                    <p:cond delay="0"/>
+                                  </p:stCondLst>
+                                  <p:childTnLst>
+                                    <p:set>
+                                      <p:cBhvr>
+                                        <p:cTn id="6" dur="1" fill="hold">
+                                          <p:stCondLst>
+                                            <p:cond delay="0"/>
+                                          </p:stCondLst>
+                                        </p:cTn>
+                                        <p:tgtEl>
+                                          <p:spTgt spid="115"/>
+                                        </p:tgtEl>
+                                        <p:attrNameLst>
+                                          <p:attrName>style.visibility</p:attrName>
+                                        </p:attrNameLst>
+                                      </p:cBhvr>
+                                      <p:to>
+                                        <p:strVal val="visible"/>
+                                      </p:to>
+                                    </p:set>
+                                    <p:animEffect transition="in" filter="fade">
+                                      <p:cBhvr>
+                                        <p:cTn id="7" dur="500"/>
+                                        <p:tgtEl>
+                                          <p:spTgt spid="115"/>
+                                        </p:tgtEl>
+                                      </p:cBhvr>
+                                    </p:animEffect>
+                                  </p:childTnLst>
+                                </p:cTn>
+                              </p:par>
+                              <p:par>
+                                <p:cTn id="8" presetID="10" presetClass="entr" presetSubtype="0" fill="hold" nodeType="withEffect">
+                                  <p:stCondLst>
+                                    <p:cond delay="0"/>
+                                  </p:stCondLst>
+                                  <p:childTnLst>
+                                    <p:set>
+                                      <p:cBhvr>
+                                        <p:cTn id="9" dur="1" fill="hold">
+                                          <p:stCondLst>
+                                            <p:cond delay="0"/>
+                                          </p:stCondLst>
+                                        </p:cTn>
+                                        <p:tgtEl>
+                                          <p:spTgt spid="116">
+                                            <p:txEl>
+                                              <p:pRg st="0" end="0"/>
+                                            </p:txEl>
+                                          </p:spTgt>
+                                        </p:tgtEl>
+                                        <p:attrNameLst>
+                                          <p:attrName>style.visibility</p:attrName>
+                                        </p:attrNameLst>
+                                      </p:cBhvr>
+                                      <p:to>
+                                        <p:strVal val="visible"/>
+                                      </p:to>
+                                    </p:set>
+                                    <p:animEffect transition="in" filter="fade">
+                                      <p:cBhvr>
+                                        <p:cTn id="10" dur="500"/>
+                                        <p:tgtEl>
+                                          <p:spTgt spid="116">
+                                            <p:txEl>
+                                              <p:pRg st="0" end="0"/>
+                                            </p:txEl>
+                                          </p:spTgt>
+                                        </p:tgtEl>
+                                      </p:cBhvr>
+                                    </p:animEffect>
+                                  </p:childTnLst>
+                                </p:cTn>
+                              </p:par>
+                            </p:childTnLst>
+                          </p:cTn>
+                        </p:par>
+                      </p:childTnLst>
+                    </p:cTn>
+                  </p:par>
+                  <p:par>
+                    <p:cTn id="11" fill="hold">
+                      <p:stCondLst>
+                        <p:cond delay="indefinite"/>
+                      </p:stCondLst>
+                      <p:childTnLst>
+                        <p:par>
+                          <p:cTn id="12" fill="hold">
+                            <p:stCondLst>
+                              <p:cond delay="0"/>
+                            </p:stCondLst>
+                            <p:childTnLst>
+                              <p:par>
+                                <p:cTn id="13" presetID="10" presetClass="entr" presetSubtype="0" fill="hold" nodeType="clickEffect">
+                                  <p:stCondLst>
+                                    <p:cond delay="0"/>
+                                  </p:stCondLst>
+                                  <p:childTnLst>
+                                    <p:set>
+                                      <p:cBhvr>
+                                        <p:cTn id="14" dur="1" fill="hold">
+                                          <p:stCondLst>
+                                            <p:cond delay="0"/>
+                                          </p:stCondLst>
+                                        </p:cTn>
+                                        <p:tgtEl>
+                                          <p:spTgt spid="116">
+                                            <p:txEl>
+                                              <p:pRg st="2" end="2"/>
+                                            </p:txEl>
+                                          </p:spTgt>
+                                        </p:tgtEl>
+                                        <p:attrNameLst>
+                                          <p:attrName>style.visibility</p:attrName>
+                                        </p:attrNameLst>
+                                      </p:cBhvr>
+                                      <p:to>
+                                        <p:strVal val="visible"/>
+                                      </p:to>
+                                    </p:set>
+                                    <p:animEffect transition="in" filter="fade">
+                                      <p:cBhvr>
+                                        <p:cTn id="15" dur="500"/>
+                                        <p:tgtEl>
+                                          <p:spTgt spid="116">
+                                            <p:txEl>
+                                              <p:pRg st="2" end="2"/>
+                                            </p:txEl>
+                                          </p:spTgt>
+                                        </p:tgtEl>
+                                      </p:cBhvr>
+                                    </p:animEffect>
+                                  </p:childTnLst>
+                                </p:cTn>
+                              </p:par>
+                              <p:par>
+                                <p:cTn id="16" presetID="10" presetClass="entr" presetSubtype="0" fill="hold" grpId="0" nodeType="withEffect">
+                                  <p:stCondLst>
+                                    <p:cond delay="0"/>
+                                  </p:stCondLst>
+                                  <p:childTnLst>
+                                    <p:set>
+                                      <p:cBhvr>
+                                        <p:cTn id="17" dur="1" fill="hold">
+                                          <p:stCondLst>
+                                            <p:cond delay="0"/>
+                                          </p:stCondLst>
+                                        </p:cTn>
+                                        <p:tgtEl>
+                                          <p:spTgt spid="117"/>
+                                        </p:tgtEl>
+                                        <p:attrNameLst>
+                                          <p:attrName>style.visibility</p:attrName>
+                                        </p:attrNameLst>
+                                      </p:cBhvr>
+                                      <p:to>
+                                        <p:strVal val="visible"/>
+                                      </p:to>
+                                    </p:set>
+                                    <p:animEffect transition="in" filter="fade">
+                                      <p:cBhvr>
+                                        <p:cTn id="18" dur="500"/>
+                                        <p:tgtEl>
+                                          <p:spTgt spid="117"/>
+                                        </p:tgtEl>
+                                      </p:cBhvr>
+                                    </p:animEffect>
+                                  </p:childTnLst>
+                                </p:cTn>
+                              </p:par>
+                            </p:childTnLst>
+                          </p:cTn>
+                        </p:par>
+                      </p:childTnLst>
+                    </p:cTn>
+                  </p:par>
+                  <p:par>
+                    <p:cTn id="19" fill="hold">
+                      <p:stCondLst>
+                        <p:cond delay="indefinite"/>
+                      </p:stCondLst>
+                      <p:childTnLst>
+                        <p:par>
+                          <p:cTn id="20" fill="hold">
+                            <p:stCondLst>
+                              <p:cond delay="0"/>
+                            </p:stCondLst>
+                            <p:childTnLst>
+                              <p:par>
+                                <p:cTn id="21" presetID="10" presetClass="entr" presetSubtype="0" fill="hold" grpId="0" nodeType="clickEffect">
+                                  <p:stCondLst>
+                                    <p:cond delay="0"/>
+                                  </p:stCondLst>
+                                  <p:childTnLst>
+                                    <p:set>
+                                      <p:cBhvr>
+                                        <p:cTn id="22" dur="1" fill="hold">
+                                          <p:stCondLst>
+                                            <p:cond delay="0"/>
+                                          </p:stCondLst>
+                                        </p:cTn>
+                                        <p:tgtEl>
+                                          <p:spTgt spid="118"/>
+                                        </p:tgtEl>
+                                        <p:attrNameLst>
+                                          <p:attrName>style.visibility</p:attrName>
+                                        </p:attrNameLst>
+                                      </p:cBhvr>
+                                      <p:to>
+                                        <p:strVal val="visible"/>
+                                      </p:to>
+                                    </p:set>
+                                    <p:animEffect transition="in" filter="fade">
+                                      <p:cBhvr>
+                                        <p:cTn id="23" dur="500"/>
+                                        <p:tgtEl>
+                                          <p:spTgt spid="118"/>
+                                        </p:tgtEl>
+                                      </p:cBhvr>
+                                    </p:animEffect>
+                                  </p:childTnLst>
+                                </p:cTn>
+                              </p:par>
+                              <p:par>
+                                <p:cTn id="24" presetID="10" presetClass="entr" presetSubtype="0" fill="hold" nodeType="withEffect">
+                                  <p:stCondLst>
+                                    <p:cond delay="0"/>
+                                  </p:stCondLst>
+                                  <p:childTnLst>
+                                    <p:set>
+                                      <p:cBhvr>
+                                        <p:cTn id="25" dur="1" fill="hold">
+                                          <p:stCondLst>
+                                            <p:cond delay="0"/>
+                                          </p:stCondLst>
+                                        </p:cTn>
+                                        <p:tgtEl>
+                                          <p:spTgt spid="116">
+                                            <p:txEl>
+                                              <p:pRg st="7" end="7"/>
+                                            </p:txEl>
+                                          </p:spTgt>
+                                        </p:tgtEl>
+                                        <p:attrNameLst>
+                                          <p:attrName>style.visibility</p:attrName>
+                                        </p:attrNameLst>
+                                      </p:cBhvr>
+                                      <p:to>
+                                        <p:strVal val="visible"/>
+                                      </p:to>
+                                    </p:set>
+                                    <p:animEffect transition="in" filter="fade">
+                                      <p:cBhvr>
+                                        <p:cTn id="26" dur="500"/>
+                                        <p:tgtEl>
+                                          <p:spTgt spid="116">
+                                            <p:txEl>
+                                              <p:pRg st="7" end="7"/>
+                                            </p:txEl>
+                                          </p:spTgt>
+                                        </p:tgtEl>
+                                      </p:cBhvr>
+                                    </p:animEffect>
+                                  </p:childTnLst>
+                                </p:cTn>
+                              </p:par>
+                            </p:childTnLst>
+                          </p:cTn>
+                        </p:par>
+                      </p:childTnLst>
+                    </p:cTn>
+                  </p:par>
+                </p:childTnLst>
+              </p:cTn>
+              <p:prevCondLst>
+                <p:cond evt="onPrev" delay="0">
+                  <p:tgtEl>
+                    <p:sldTgt/>
+                  </p:tgtEl>
+                </p:cond>
+              </p:prevCondLst>
+              <p:nextCondLst>
+                <p:cond evt="onNext" delay="0">
+                  <p:tgtEl>
+                    <p:sldTgt/>
+                  </p:tgtEl>
+                </p:cond>
+              </p:nextCondLst>
+            </p:seq>
+          </p:childTnLst>
+        </p:cTn>
+      </p:par>
+    </p:tnLst>
+    <p:bldLst>
+      <p:bldP spid="115" grpId="0"/>
+      <p:bldP spid="117" grpId="0"/>
+      <p:bldP spid="118" grpId="0"/>
+    </p:bldLst>
+  </p:timing>
 </p:sld>
 </file>
 
@@ -13714,6 +15351,331 @@
   <p:clrMapOvr>
     <a:masterClrMapping/>
   </p:clrMapOvr>
+  <p:transition spd="slow">
+    <p:push dir="u"/>
+  </p:transition>
+  <p:timing>
+    <p:tnLst>
+      <p:par>
+        <p:cTn id="1" dur="indefinite" restart="never" nodeType="tmRoot">
+          <p:childTnLst>
+            <p:seq concurrent="1" nextAc="seek">
+              <p:cTn id="2" dur="indefinite" nodeType="mainSeq">
+                <p:childTnLst>
+                  <p:par>
+                    <p:cTn id="3" fill="hold">
+                      <p:stCondLst>
+                        <p:cond delay="indefinite"/>
+                        <p:cond evt="onBegin" delay="0">
+                          <p:tn val="2"/>
+                        </p:cond>
+                      </p:stCondLst>
+                      <p:childTnLst>
+                        <p:par>
+                          <p:cTn id="4" fill="hold">
+                            <p:stCondLst>
+                              <p:cond delay="0"/>
+                            </p:stCondLst>
+                            <p:childTnLst>
+                              <p:par>
+                                <p:cTn id="5" presetID="10" presetClass="entr" presetSubtype="0" fill="hold" grpId="0" nodeType="withEffect">
+                                  <p:stCondLst>
+                                    <p:cond delay="0"/>
+                                  </p:stCondLst>
+                                  <p:childTnLst>
+                                    <p:set>
+                                      <p:cBhvr>
+                                        <p:cTn id="6" dur="1" fill="hold">
+                                          <p:stCondLst>
+                                            <p:cond delay="0"/>
+                                          </p:stCondLst>
+                                        </p:cTn>
+                                        <p:tgtEl>
+                                          <p:spTgt spid="123"/>
+                                        </p:tgtEl>
+                                        <p:attrNameLst>
+                                          <p:attrName>style.visibility</p:attrName>
+                                        </p:attrNameLst>
+                                      </p:cBhvr>
+                                      <p:to>
+                                        <p:strVal val="visible"/>
+                                      </p:to>
+                                    </p:set>
+                                    <p:animEffect transition="in" filter="fade">
+                                      <p:cBhvr>
+                                        <p:cTn id="7" dur="500"/>
+                                        <p:tgtEl>
+                                          <p:spTgt spid="123"/>
+                                        </p:tgtEl>
+                                      </p:cBhvr>
+                                    </p:animEffect>
+                                  </p:childTnLst>
+                                </p:cTn>
+                              </p:par>
+                              <p:par>
+                                <p:cTn id="8" presetID="10" presetClass="entr" presetSubtype="0" fill="hold" nodeType="withEffect">
+                                  <p:stCondLst>
+                                    <p:cond delay="0"/>
+                                  </p:stCondLst>
+                                  <p:childTnLst>
+                                    <p:set>
+                                      <p:cBhvr>
+                                        <p:cTn id="9" dur="1" fill="hold">
+                                          <p:stCondLst>
+                                            <p:cond delay="0"/>
+                                          </p:stCondLst>
+                                        </p:cTn>
+                                        <p:tgtEl>
+                                          <p:spTgt spid="124">
+                                            <p:txEl>
+                                              <p:pRg st="0" end="0"/>
+                                            </p:txEl>
+                                          </p:spTgt>
+                                        </p:tgtEl>
+                                        <p:attrNameLst>
+                                          <p:attrName>style.visibility</p:attrName>
+                                        </p:attrNameLst>
+                                      </p:cBhvr>
+                                      <p:to>
+                                        <p:strVal val="visible"/>
+                                      </p:to>
+                                    </p:set>
+                                    <p:animEffect transition="in" filter="fade">
+                                      <p:cBhvr>
+                                        <p:cTn id="10" dur="500"/>
+                                        <p:tgtEl>
+                                          <p:spTgt spid="124">
+                                            <p:txEl>
+                                              <p:pRg st="0" end="0"/>
+                                            </p:txEl>
+                                          </p:spTgt>
+                                        </p:tgtEl>
+                                      </p:cBhvr>
+                                    </p:animEffect>
+                                  </p:childTnLst>
+                                </p:cTn>
+                              </p:par>
+                            </p:childTnLst>
+                          </p:cTn>
+                        </p:par>
+                      </p:childTnLst>
+                    </p:cTn>
+                  </p:par>
+                  <p:par>
+                    <p:cTn id="11" fill="hold">
+                      <p:stCondLst>
+                        <p:cond delay="indefinite"/>
+                      </p:stCondLst>
+                      <p:childTnLst>
+                        <p:par>
+                          <p:cTn id="12" fill="hold">
+                            <p:stCondLst>
+                              <p:cond delay="0"/>
+                            </p:stCondLst>
+                            <p:childTnLst>
+                              <p:par>
+                                <p:cTn id="13" presetID="10" presetClass="entr" presetSubtype="0" fill="hold" nodeType="clickEffect">
+                                  <p:stCondLst>
+                                    <p:cond delay="0"/>
+                                  </p:stCondLst>
+                                  <p:childTnLst>
+                                    <p:set>
+                                      <p:cBhvr>
+                                        <p:cTn id="14" dur="1" fill="hold">
+                                          <p:stCondLst>
+                                            <p:cond delay="0"/>
+                                          </p:stCondLst>
+                                        </p:cTn>
+                                        <p:tgtEl>
+                                          <p:spTgt spid="124">
+                                            <p:txEl>
+                                              <p:pRg st="2" end="2"/>
+                                            </p:txEl>
+                                          </p:spTgt>
+                                        </p:tgtEl>
+                                        <p:attrNameLst>
+                                          <p:attrName>style.visibility</p:attrName>
+                                        </p:attrNameLst>
+                                      </p:cBhvr>
+                                      <p:to>
+                                        <p:strVal val="visible"/>
+                                      </p:to>
+                                    </p:set>
+                                    <p:animEffect transition="in" filter="fade">
+                                      <p:cBhvr>
+                                        <p:cTn id="15" dur="500"/>
+                                        <p:tgtEl>
+                                          <p:spTgt spid="124">
+                                            <p:txEl>
+                                              <p:pRg st="2" end="2"/>
+                                            </p:txEl>
+                                          </p:spTgt>
+                                        </p:tgtEl>
+                                      </p:cBhvr>
+                                    </p:animEffect>
+                                  </p:childTnLst>
+                                </p:cTn>
+                              </p:par>
+                              <p:par>
+                                <p:cTn id="16" presetID="10" presetClass="entr" presetSubtype="0" fill="hold" nodeType="withEffect">
+                                  <p:stCondLst>
+                                    <p:cond delay="0"/>
+                                  </p:stCondLst>
+                                  <p:childTnLst>
+                                    <p:set>
+                                      <p:cBhvr>
+                                        <p:cTn id="17" dur="1" fill="hold">
+                                          <p:stCondLst>
+                                            <p:cond delay="0"/>
+                                          </p:stCondLst>
+                                        </p:cTn>
+                                        <p:tgtEl>
+                                          <p:spTgt spid="124">
+                                            <p:txEl>
+                                              <p:pRg st="3" end="3"/>
+                                            </p:txEl>
+                                          </p:spTgt>
+                                        </p:tgtEl>
+                                        <p:attrNameLst>
+                                          <p:attrName>style.visibility</p:attrName>
+                                        </p:attrNameLst>
+                                      </p:cBhvr>
+                                      <p:to>
+                                        <p:strVal val="visible"/>
+                                      </p:to>
+                                    </p:set>
+                                    <p:animEffect transition="in" filter="fade">
+                                      <p:cBhvr>
+                                        <p:cTn id="18" dur="500"/>
+                                        <p:tgtEl>
+                                          <p:spTgt spid="124">
+                                            <p:txEl>
+                                              <p:pRg st="3" end="3"/>
+                                            </p:txEl>
+                                          </p:spTgt>
+                                        </p:tgtEl>
+                                      </p:cBhvr>
+                                    </p:animEffect>
+                                  </p:childTnLst>
+                                </p:cTn>
+                              </p:par>
+                              <p:par>
+                                <p:cTn id="19" presetID="10" presetClass="entr" presetSubtype="0" fill="hold" nodeType="withEffect">
+                                  <p:stCondLst>
+                                    <p:cond delay="0"/>
+                                  </p:stCondLst>
+                                  <p:childTnLst>
+                                    <p:set>
+                                      <p:cBhvr>
+                                        <p:cTn id="20" dur="1" fill="hold">
+                                          <p:stCondLst>
+                                            <p:cond delay="0"/>
+                                          </p:stCondLst>
+                                        </p:cTn>
+                                        <p:tgtEl>
+                                          <p:spTgt spid="124">
+                                            <p:txEl>
+                                              <p:pRg st="4" end="4"/>
+                                            </p:txEl>
+                                          </p:spTgt>
+                                        </p:tgtEl>
+                                        <p:attrNameLst>
+                                          <p:attrName>style.visibility</p:attrName>
+                                        </p:attrNameLst>
+                                      </p:cBhvr>
+                                      <p:to>
+                                        <p:strVal val="visible"/>
+                                      </p:to>
+                                    </p:set>
+                                    <p:animEffect transition="in" filter="fade">
+                                      <p:cBhvr>
+                                        <p:cTn id="21" dur="500"/>
+                                        <p:tgtEl>
+                                          <p:spTgt spid="124">
+                                            <p:txEl>
+                                              <p:pRg st="4" end="4"/>
+                                            </p:txEl>
+                                          </p:spTgt>
+                                        </p:tgtEl>
+                                      </p:cBhvr>
+                                    </p:animEffect>
+                                  </p:childTnLst>
+                                </p:cTn>
+                              </p:par>
+                              <p:par>
+                                <p:cTn id="22" presetID="10" presetClass="entr" presetSubtype="0" fill="hold" nodeType="withEffect">
+                                  <p:stCondLst>
+                                    <p:cond delay="0"/>
+                                  </p:stCondLst>
+                                  <p:childTnLst>
+                                    <p:set>
+                                      <p:cBhvr>
+                                        <p:cTn id="23" dur="1" fill="hold">
+                                          <p:stCondLst>
+                                            <p:cond delay="0"/>
+                                          </p:stCondLst>
+                                        </p:cTn>
+                                        <p:tgtEl>
+                                          <p:spTgt spid="124">
+                                            <p:txEl>
+                                              <p:pRg st="5" end="5"/>
+                                            </p:txEl>
+                                          </p:spTgt>
+                                        </p:tgtEl>
+                                        <p:attrNameLst>
+                                          <p:attrName>style.visibility</p:attrName>
+                                        </p:attrNameLst>
+                                      </p:cBhvr>
+                                      <p:to>
+                                        <p:strVal val="visible"/>
+                                      </p:to>
+                                    </p:set>
+                                    <p:animEffect transition="in" filter="fade">
+                                      <p:cBhvr>
+                                        <p:cTn id="24" dur="500"/>
+                                        <p:tgtEl>
+                                          <p:spTgt spid="124">
+                                            <p:txEl>
+                                              <p:pRg st="5" end="5"/>
+                                            </p:txEl>
+                                          </p:spTgt>
+                                        </p:tgtEl>
+                                      </p:cBhvr>
+                                    </p:animEffect>
+                                  </p:childTnLst>
+                                </p:cTn>
+                              </p:par>
+                            </p:childTnLst>
+                          </p:cTn>
+                        </p:par>
+                      </p:childTnLst>
+                    </p:cTn>
+                  </p:par>
+                </p:childTnLst>
+              </p:cTn>
+              <p:prevCondLst>
+                <p:cond evt="onPrev" delay="0">
+                  <p:tgtEl>
+                    <p:sldTgt/>
+                  </p:tgtEl>
+                </p:cond>
+              </p:prevCondLst>
+              <p:nextCondLst>
+                <p:cond evt="onNext" delay="0">
+                  <p:tgtEl>
+                    <p:sldTgt/>
+                  </p:tgtEl>
+                </p:cond>
+              </p:nextCondLst>
+            </p:seq>
+          </p:childTnLst>
+        </p:cTn>
+      </p:par>
+    </p:tnLst>
+    <p:bldLst>
+      <p:bldP spid="123" grpId="0"/>
+    </p:bldLst>
+  </p:timing>
 </p:sld>
 </file>
 
@@ -13834,10 +15796,10 @@
               <a:buChar char="•"/>
             </a:pPr>
             <a:r>
-              <a:rPr lang="hu-HU"/>
+              <a:rPr lang="hu-HU" dirty="0"/>
               <a:t>Készítette:   Mindegyikünk</a:t>
             </a:r>
-            <a:endParaRPr/>
+            <a:endParaRPr dirty="0"/>
           </a:p>
           <a:p>
             <a:pPr marL="228600" lvl="0" indent="-50800" algn="l" rtl="0">
@@ -13856,7 +15818,7 @@
               <a:buSzPts val="2800"/>
               <a:buNone/>
             </a:pPr>
-            <a:endParaRPr/>
+            <a:endParaRPr dirty="0"/>
           </a:p>
           <a:p>
             <a:pPr marL="228600" lvl="0" indent="-228600" algn="l" rtl="0">
@@ -13876,10 +15838,14 @@
               <a:buChar char="•"/>
             </a:pPr>
             <a:r>
-              <a:rPr lang="hu-HU"/>
-              <a:t>Egységes style</a:t>
+              <a:rPr lang="hu-HU" dirty="0"/>
+              <a:t>Egységes </a:t>
             </a:r>
-            <a:endParaRPr/>
+            <a:r>
+              <a:rPr lang="hu-HU" dirty="0" err="1"/>
+              <a:t>style</a:t>
+            </a:r>
+            <a:endParaRPr dirty="0"/>
           </a:p>
           <a:p>
             <a:pPr marL="228600" lvl="0" indent="-292100" algn="l" rtl="0">
@@ -13893,10 +15859,10 @@
               <a:buChar char="•"/>
             </a:pPr>
             <a:r>
-              <a:rPr lang="hu-HU"/>
+              <a:rPr lang="hu-HU" dirty="0"/>
               <a:t>Kifinomult betű család</a:t>
             </a:r>
-            <a:endParaRPr/>
+            <a:endParaRPr dirty="0"/>
           </a:p>
           <a:p>
             <a:pPr marL="228600" lvl="0" indent="-292100" algn="l" rtl="0">
@@ -13910,10 +15876,10 @@
               <a:buChar char="•"/>
             </a:pPr>
             <a:r>
-              <a:rPr lang="hu-HU"/>
+              <a:rPr lang="hu-HU" dirty="0"/>
               <a:t>Egyedi kivitelezés</a:t>
             </a:r>
-            <a:endParaRPr/>
+            <a:endParaRPr dirty="0"/>
           </a:p>
           <a:p>
             <a:pPr marL="228600" lvl="0" indent="-292100" algn="l" rtl="0">
@@ -13927,10 +15893,10 @@
               <a:buChar char="•"/>
             </a:pPr>
             <a:r>
-              <a:rPr lang="hu-HU"/>
+              <a:rPr lang="hu-HU" dirty="0"/>
               <a:t>Modern egységes kinézet</a:t>
             </a:r>
-            <a:endParaRPr/>
+            <a:endParaRPr dirty="0"/>
           </a:p>
           <a:p>
             <a:pPr marL="228600" lvl="0" indent="-50800" algn="l" rtl="0">
@@ -13949,7 +15915,7 @@
               <a:buSzPts val="2800"/>
               <a:buNone/>
             </a:pPr>
-            <a:endParaRPr/>
+            <a:endParaRPr dirty="0"/>
           </a:p>
         </p:txBody>
       </p:sp>
@@ -13958,6 +15924,331 @@
   <p:clrMapOvr>
     <a:masterClrMapping/>
   </p:clrMapOvr>
+  <p:transition spd="slow">
+    <p:push dir="u"/>
+  </p:transition>
+  <p:timing>
+    <p:tnLst>
+      <p:par>
+        <p:cTn id="1" dur="indefinite" restart="never" nodeType="tmRoot">
+          <p:childTnLst>
+            <p:seq concurrent="1" nextAc="seek">
+              <p:cTn id="2" dur="indefinite" nodeType="mainSeq">
+                <p:childTnLst>
+                  <p:par>
+                    <p:cTn id="3" fill="hold">
+                      <p:stCondLst>
+                        <p:cond delay="indefinite"/>
+                        <p:cond evt="onBegin" delay="0">
+                          <p:tn val="2"/>
+                        </p:cond>
+                      </p:stCondLst>
+                      <p:childTnLst>
+                        <p:par>
+                          <p:cTn id="4" fill="hold">
+                            <p:stCondLst>
+                              <p:cond delay="0"/>
+                            </p:stCondLst>
+                            <p:childTnLst>
+                              <p:par>
+                                <p:cTn id="5" presetID="10" presetClass="entr" presetSubtype="0" fill="hold" grpId="0" nodeType="withEffect">
+                                  <p:stCondLst>
+                                    <p:cond delay="0"/>
+                                  </p:stCondLst>
+                                  <p:childTnLst>
+                                    <p:set>
+                                      <p:cBhvr>
+                                        <p:cTn id="6" dur="1" fill="hold">
+                                          <p:stCondLst>
+                                            <p:cond delay="0"/>
+                                          </p:stCondLst>
+                                        </p:cTn>
+                                        <p:tgtEl>
+                                          <p:spTgt spid="129"/>
+                                        </p:tgtEl>
+                                        <p:attrNameLst>
+                                          <p:attrName>style.visibility</p:attrName>
+                                        </p:attrNameLst>
+                                      </p:cBhvr>
+                                      <p:to>
+                                        <p:strVal val="visible"/>
+                                      </p:to>
+                                    </p:set>
+                                    <p:animEffect transition="in" filter="fade">
+                                      <p:cBhvr>
+                                        <p:cTn id="7" dur="500"/>
+                                        <p:tgtEl>
+                                          <p:spTgt spid="129"/>
+                                        </p:tgtEl>
+                                      </p:cBhvr>
+                                    </p:animEffect>
+                                  </p:childTnLst>
+                                </p:cTn>
+                              </p:par>
+                              <p:par>
+                                <p:cTn id="8" presetID="10" presetClass="entr" presetSubtype="0" fill="hold" nodeType="withEffect">
+                                  <p:stCondLst>
+                                    <p:cond delay="0"/>
+                                  </p:stCondLst>
+                                  <p:childTnLst>
+                                    <p:set>
+                                      <p:cBhvr>
+                                        <p:cTn id="9" dur="1" fill="hold">
+                                          <p:stCondLst>
+                                            <p:cond delay="0"/>
+                                          </p:stCondLst>
+                                        </p:cTn>
+                                        <p:tgtEl>
+                                          <p:spTgt spid="130">
+                                            <p:txEl>
+                                              <p:pRg st="0" end="0"/>
+                                            </p:txEl>
+                                          </p:spTgt>
+                                        </p:tgtEl>
+                                        <p:attrNameLst>
+                                          <p:attrName>style.visibility</p:attrName>
+                                        </p:attrNameLst>
+                                      </p:cBhvr>
+                                      <p:to>
+                                        <p:strVal val="visible"/>
+                                      </p:to>
+                                    </p:set>
+                                    <p:animEffect transition="in" filter="fade">
+                                      <p:cBhvr>
+                                        <p:cTn id="10" dur="500"/>
+                                        <p:tgtEl>
+                                          <p:spTgt spid="130">
+                                            <p:txEl>
+                                              <p:pRg st="0" end="0"/>
+                                            </p:txEl>
+                                          </p:spTgt>
+                                        </p:tgtEl>
+                                      </p:cBhvr>
+                                    </p:animEffect>
+                                  </p:childTnLst>
+                                </p:cTn>
+                              </p:par>
+                            </p:childTnLst>
+                          </p:cTn>
+                        </p:par>
+                      </p:childTnLst>
+                    </p:cTn>
+                  </p:par>
+                  <p:par>
+                    <p:cTn id="11" fill="hold">
+                      <p:stCondLst>
+                        <p:cond delay="indefinite"/>
+                      </p:stCondLst>
+                      <p:childTnLst>
+                        <p:par>
+                          <p:cTn id="12" fill="hold">
+                            <p:stCondLst>
+                              <p:cond delay="0"/>
+                            </p:stCondLst>
+                            <p:childTnLst>
+                              <p:par>
+                                <p:cTn id="13" presetID="10" presetClass="entr" presetSubtype="0" fill="hold" nodeType="clickEffect">
+                                  <p:stCondLst>
+                                    <p:cond delay="0"/>
+                                  </p:stCondLst>
+                                  <p:childTnLst>
+                                    <p:set>
+                                      <p:cBhvr>
+                                        <p:cTn id="14" dur="1" fill="hold">
+                                          <p:stCondLst>
+                                            <p:cond delay="0"/>
+                                          </p:stCondLst>
+                                        </p:cTn>
+                                        <p:tgtEl>
+                                          <p:spTgt spid="130">
+                                            <p:txEl>
+                                              <p:pRg st="2" end="2"/>
+                                            </p:txEl>
+                                          </p:spTgt>
+                                        </p:tgtEl>
+                                        <p:attrNameLst>
+                                          <p:attrName>style.visibility</p:attrName>
+                                        </p:attrNameLst>
+                                      </p:cBhvr>
+                                      <p:to>
+                                        <p:strVal val="visible"/>
+                                      </p:to>
+                                    </p:set>
+                                    <p:animEffect transition="in" filter="fade">
+                                      <p:cBhvr>
+                                        <p:cTn id="15" dur="500"/>
+                                        <p:tgtEl>
+                                          <p:spTgt spid="130">
+                                            <p:txEl>
+                                              <p:pRg st="2" end="2"/>
+                                            </p:txEl>
+                                          </p:spTgt>
+                                        </p:tgtEl>
+                                      </p:cBhvr>
+                                    </p:animEffect>
+                                  </p:childTnLst>
+                                </p:cTn>
+                              </p:par>
+                              <p:par>
+                                <p:cTn id="16" presetID="10" presetClass="entr" presetSubtype="0" fill="hold" nodeType="withEffect">
+                                  <p:stCondLst>
+                                    <p:cond delay="0"/>
+                                  </p:stCondLst>
+                                  <p:childTnLst>
+                                    <p:set>
+                                      <p:cBhvr>
+                                        <p:cTn id="17" dur="1" fill="hold">
+                                          <p:stCondLst>
+                                            <p:cond delay="0"/>
+                                          </p:stCondLst>
+                                        </p:cTn>
+                                        <p:tgtEl>
+                                          <p:spTgt spid="130">
+                                            <p:txEl>
+                                              <p:pRg st="3" end="3"/>
+                                            </p:txEl>
+                                          </p:spTgt>
+                                        </p:tgtEl>
+                                        <p:attrNameLst>
+                                          <p:attrName>style.visibility</p:attrName>
+                                        </p:attrNameLst>
+                                      </p:cBhvr>
+                                      <p:to>
+                                        <p:strVal val="visible"/>
+                                      </p:to>
+                                    </p:set>
+                                    <p:animEffect transition="in" filter="fade">
+                                      <p:cBhvr>
+                                        <p:cTn id="18" dur="500"/>
+                                        <p:tgtEl>
+                                          <p:spTgt spid="130">
+                                            <p:txEl>
+                                              <p:pRg st="3" end="3"/>
+                                            </p:txEl>
+                                          </p:spTgt>
+                                        </p:tgtEl>
+                                      </p:cBhvr>
+                                    </p:animEffect>
+                                  </p:childTnLst>
+                                </p:cTn>
+                              </p:par>
+                              <p:par>
+                                <p:cTn id="19" presetID="10" presetClass="entr" presetSubtype="0" fill="hold" nodeType="withEffect">
+                                  <p:stCondLst>
+                                    <p:cond delay="0"/>
+                                  </p:stCondLst>
+                                  <p:childTnLst>
+                                    <p:set>
+                                      <p:cBhvr>
+                                        <p:cTn id="20" dur="1" fill="hold">
+                                          <p:stCondLst>
+                                            <p:cond delay="0"/>
+                                          </p:stCondLst>
+                                        </p:cTn>
+                                        <p:tgtEl>
+                                          <p:spTgt spid="130">
+                                            <p:txEl>
+                                              <p:pRg st="4" end="4"/>
+                                            </p:txEl>
+                                          </p:spTgt>
+                                        </p:tgtEl>
+                                        <p:attrNameLst>
+                                          <p:attrName>style.visibility</p:attrName>
+                                        </p:attrNameLst>
+                                      </p:cBhvr>
+                                      <p:to>
+                                        <p:strVal val="visible"/>
+                                      </p:to>
+                                    </p:set>
+                                    <p:animEffect transition="in" filter="fade">
+                                      <p:cBhvr>
+                                        <p:cTn id="21" dur="500"/>
+                                        <p:tgtEl>
+                                          <p:spTgt spid="130">
+                                            <p:txEl>
+                                              <p:pRg st="4" end="4"/>
+                                            </p:txEl>
+                                          </p:spTgt>
+                                        </p:tgtEl>
+                                      </p:cBhvr>
+                                    </p:animEffect>
+                                  </p:childTnLst>
+                                </p:cTn>
+                              </p:par>
+                              <p:par>
+                                <p:cTn id="22" presetID="10" presetClass="entr" presetSubtype="0" fill="hold" nodeType="withEffect">
+                                  <p:stCondLst>
+                                    <p:cond delay="0"/>
+                                  </p:stCondLst>
+                                  <p:childTnLst>
+                                    <p:set>
+                                      <p:cBhvr>
+                                        <p:cTn id="23" dur="1" fill="hold">
+                                          <p:stCondLst>
+                                            <p:cond delay="0"/>
+                                          </p:stCondLst>
+                                        </p:cTn>
+                                        <p:tgtEl>
+                                          <p:spTgt spid="130">
+                                            <p:txEl>
+                                              <p:pRg st="5" end="5"/>
+                                            </p:txEl>
+                                          </p:spTgt>
+                                        </p:tgtEl>
+                                        <p:attrNameLst>
+                                          <p:attrName>style.visibility</p:attrName>
+                                        </p:attrNameLst>
+                                      </p:cBhvr>
+                                      <p:to>
+                                        <p:strVal val="visible"/>
+                                      </p:to>
+                                    </p:set>
+                                    <p:animEffect transition="in" filter="fade">
+                                      <p:cBhvr>
+                                        <p:cTn id="24" dur="500"/>
+                                        <p:tgtEl>
+                                          <p:spTgt spid="130">
+                                            <p:txEl>
+                                              <p:pRg st="5" end="5"/>
+                                            </p:txEl>
+                                          </p:spTgt>
+                                        </p:tgtEl>
+                                      </p:cBhvr>
+                                    </p:animEffect>
+                                  </p:childTnLst>
+                                </p:cTn>
+                              </p:par>
+                            </p:childTnLst>
+                          </p:cTn>
+                        </p:par>
+                      </p:childTnLst>
+                    </p:cTn>
+                  </p:par>
+                </p:childTnLst>
+              </p:cTn>
+              <p:prevCondLst>
+                <p:cond evt="onPrev" delay="0">
+                  <p:tgtEl>
+                    <p:sldTgt/>
+                  </p:tgtEl>
+                </p:cond>
+              </p:prevCondLst>
+              <p:nextCondLst>
+                <p:cond evt="onNext" delay="0">
+                  <p:tgtEl>
+                    <p:sldTgt/>
+                  </p:tgtEl>
+                </p:cond>
+              </p:nextCondLst>
+            </p:seq>
+          </p:childTnLst>
+        </p:cTn>
+      </p:par>
+    </p:tnLst>
+    <p:bldLst>
+      <p:bldP spid="129" grpId="0"/>
+    </p:bldLst>
+  </p:timing>
 </p:sld>
 </file>
 
